--- a/Akinator/Akinator.pptx
+++ b/Akinator/Akinator.pptx
@@ -5,36 +5,38 @@
     <p:sldMasterId id="2147483713" r:id="rId1"/>
   </p:sldMasterIdLst>
   <p:notesMasterIdLst>
-    <p:notesMasterId r:id="rId29"/>
+    <p:notesMasterId r:id="rId31"/>
   </p:notesMasterIdLst>
   <p:sldIdLst>
     <p:sldId id="256" r:id="rId2"/>
-    <p:sldId id="257" r:id="rId3"/>
-    <p:sldId id="278" r:id="rId4"/>
+    <p:sldId id="278" r:id="rId3"/>
+    <p:sldId id="288" r:id="rId4"/>
     <p:sldId id="276" r:id="rId5"/>
     <p:sldId id="273" r:id="rId6"/>
     <p:sldId id="274" r:id="rId7"/>
     <p:sldId id="275" r:id="rId8"/>
-    <p:sldId id="277" r:id="rId9"/>
-    <p:sldId id="280" r:id="rId10"/>
-    <p:sldId id="281" r:id="rId11"/>
-    <p:sldId id="282" r:id="rId12"/>
-    <p:sldId id="283" r:id="rId13"/>
+    <p:sldId id="281" r:id="rId9"/>
+    <p:sldId id="282" r:id="rId10"/>
+    <p:sldId id="287" r:id="rId11"/>
+    <p:sldId id="283" r:id="rId12"/>
+    <p:sldId id="285" r:id="rId13"/>
     <p:sldId id="284" r:id="rId14"/>
-    <p:sldId id="269" r:id="rId15"/>
-    <p:sldId id="259" r:id="rId16"/>
-    <p:sldId id="258" r:id="rId17"/>
-    <p:sldId id="271" r:id="rId18"/>
-    <p:sldId id="262" r:id="rId19"/>
-    <p:sldId id="263" r:id="rId20"/>
-    <p:sldId id="264" r:id="rId21"/>
-    <p:sldId id="268" r:id="rId22"/>
-    <p:sldId id="260" r:id="rId23"/>
-    <p:sldId id="272" r:id="rId24"/>
-    <p:sldId id="265" r:id="rId25"/>
-    <p:sldId id="266" r:id="rId26"/>
-    <p:sldId id="267" r:id="rId27"/>
-    <p:sldId id="279" r:id="rId28"/>
+    <p:sldId id="286" r:id="rId15"/>
+    <p:sldId id="277" r:id="rId16"/>
+    <p:sldId id="289" r:id="rId17"/>
+    <p:sldId id="259" r:id="rId18"/>
+    <p:sldId id="258" r:id="rId19"/>
+    <p:sldId id="290" r:id="rId20"/>
+    <p:sldId id="262" r:id="rId21"/>
+    <p:sldId id="263" r:id="rId22"/>
+    <p:sldId id="264" r:id="rId23"/>
+    <p:sldId id="268" r:id="rId24"/>
+    <p:sldId id="260" r:id="rId25"/>
+    <p:sldId id="291" r:id="rId26"/>
+    <p:sldId id="265" r:id="rId27"/>
+    <p:sldId id="266" r:id="rId28"/>
+    <p:sldId id="267" r:id="rId29"/>
+    <p:sldId id="279" r:id="rId30"/>
   </p:sldIdLst>
   <p:sldSz cx="12192000" cy="6858000"/>
   <p:notesSz cx="6858000" cy="9144000"/>
@@ -223,7 +225,7 @@
           <a:p>
             <a:fld id="{F1A6B4DF-A610-4C1C-A3A0-B3510ED6D6E3}" type="datetimeFigureOut">
               <a:rPr kumimoji="1" lang="ja-JP" altLang="en-US" smtClean="0"/>
-              <a:t>2023/10/23</a:t>
+              <a:t>2023/10/24</a:t>
             </a:fld>
             <a:endParaRPr kumimoji="1" lang="ja-JP" altLang="en-US"/>
           </a:p>
@@ -587,7 +589,7 @@
           <a:p>
             <a:fld id="{9FBBCCEE-0DAF-4C7D-91CB-4E01C4A1990B}" type="slidenum">
               <a:rPr kumimoji="1" lang="ja-JP" altLang="en-US" smtClean="0"/>
-              <a:t>16</a:t>
+              <a:t>18</a:t>
             </a:fld>
             <a:endParaRPr kumimoji="1" lang="ja-JP" altLang="en-US"/>
           </a:p>
@@ -832,7 +834,7 @@
           <a:p>
             <a:fld id="{D369B673-4BCA-4024-B215-17AF6DA1C3A7}" type="datetime1">
               <a:rPr kumimoji="1" lang="ja-JP" altLang="en-US" smtClean="0"/>
-              <a:t>2023/10/23</a:t>
+              <a:t>2023/10/24</a:t>
             </a:fld>
             <a:endParaRPr kumimoji="1" lang="ja-JP" altLang="en-US"/>
           </a:p>
@@ -1072,7 +1074,7 @@
           <a:p>
             <a:fld id="{D2DF8E0C-ECD3-4964-A156-56F40164151A}" type="datetime1">
               <a:rPr kumimoji="1" lang="ja-JP" altLang="en-US" smtClean="0"/>
-              <a:t>2023/10/23</a:t>
+              <a:t>2023/10/24</a:t>
             </a:fld>
             <a:endParaRPr kumimoji="1" lang="ja-JP" altLang="en-US"/>
           </a:p>
@@ -1360,7 +1362,7 @@
           <a:p>
             <a:fld id="{C520F982-CF72-44D1-8BB7-5036A126F56C}" type="datetime1">
               <a:rPr kumimoji="1" lang="ja-JP" altLang="en-US" smtClean="0"/>
-              <a:t>2023/10/23</a:t>
+              <a:t>2023/10/24</a:t>
             </a:fld>
             <a:endParaRPr kumimoji="1" lang="ja-JP" altLang="en-US"/>
           </a:p>
@@ -1597,7 +1599,7 @@
           <a:p>
             <a:fld id="{60152C49-9E35-4B8C-93A3-B393DAF4351D}" type="datetime1">
               <a:rPr kumimoji="1" lang="ja-JP" altLang="en-US" smtClean="0"/>
-              <a:t>2023/10/23</a:t>
+              <a:t>2023/10/24</a:t>
             </a:fld>
             <a:endParaRPr kumimoji="1" lang="ja-JP" altLang="en-US"/>
           </a:p>
@@ -1945,7 +1947,7 @@
           <a:p>
             <a:fld id="{4DB566F2-0E03-466C-95E4-3EC206F67807}" type="datetime1">
               <a:rPr kumimoji="1" lang="ja-JP" altLang="en-US" smtClean="0"/>
-              <a:t>2023/10/23</a:t>
+              <a:t>2023/10/24</a:t>
             </a:fld>
             <a:endParaRPr kumimoji="1" lang="ja-JP" altLang="en-US"/>
           </a:p>
@@ -2284,7 +2286,7 @@
           <a:p>
             <a:fld id="{902DDAC9-B11E-4ED5-944F-C92E11E58A1C}" type="datetime1">
               <a:rPr kumimoji="1" lang="ja-JP" altLang="en-US" smtClean="0"/>
-              <a:t>2023/10/23</a:t>
+              <a:t>2023/10/24</a:t>
             </a:fld>
             <a:endParaRPr kumimoji="1" lang="ja-JP" altLang="en-US"/>
           </a:p>
@@ -2727,7 +2729,7 @@
           <a:p>
             <a:fld id="{A0BA7B50-C018-41E6-98D1-EE681FA3281F}" type="datetime1">
               <a:rPr kumimoji="1" lang="ja-JP" altLang="en-US" smtClean="0"/>
-              <a:t>2023/10/23</a:t>
+              <a:t>2023/10/24</a:t>
             </a:fld>
             <a:endParaRPr kumimoji="1" lang="ja-JP" altLang="en-US"/>
           </a:p>
@@ -2845,7 +2847,7 @@
           <a:p>
             <a:fld id="{05F8C07C-9AB5-4A4A-B34A-C4A3DC633D0D}" type="datetime1">
               <a:rPr kumimoji="1" lang="ja-JP" altLang="en-US" smtClean="0"/>
-              <a:t>2023/10/23</a:t>
+              <a:t>2023/10/24</a:t>
             </a:fld>
             <a:endParaRPr kumimoji="1" lang="ja-JP" altLang="en-US"/>
           </a:p>
@@ -3016,7 +3018,7 @@
           <a:p>
             <a:fld id="{8250877F-6395-4DEA-B378-FB51831D5E80}" type="datetime1">
               <a:rPr kumimoji="1" lang="ja-JP" altLang="en-US" smtClean="0"/>
-              <a:t>2023/10/23</a:t>
+              <a:t>2023/10/24</a:t>
             </a:fld>
             <a:endParaRPr kumimoji="1" lang="ja-JP" altLang="en-US"/>
           </a:p>
@@ -3402,7 +3404,7 @@
           <a:p>
             <a:fld id="{1D09E45C-057D-486B-9DEC-9C61DBE3C493}" type="datetime1">
               <a:rPr kumimoji="1" lang="ja-JP" altLang="en-US" smtClean="0"/>
-              <a:t>2023/10/23</a:t>
+              <a:t>2023/10/24</a:t>
             </a:fld>
             <a:endParaRPr kumimoji="1" lang="ja-JP" altLang="en-US"/>
           </a:p>
@@ -3784,7 +3786,7 @@
           <a:p>
             <a:fld id="{5EFCA74A-4BF4-4733-AA9B-578630196441}" type="datetime1">
               <a:rPr kumimoji="1" lang="ja-JP" altLang="en-US" smtClean="0"/>
-              <a:t>2023/10/23</a:t>
+              <a:t>2023/10/24</a:t>
             </a:fld>
             <a:endParaRPr kumimoji="1" lang="ja-JP" altLang="en-US"/>
           </a:p>
@@ -4103,7 +4105,7 @@
           <a:p>
             <a:fld id="{65A043D6-9185-45FE-BA10-8C52662A956D}" type="datetime1">
               <a:rPr kumimoji="1" lang="ja-JP" altLang="en-US" smtClean="0"/>
-              <a:t>2023/10/23</a:t>
+              <a:t>2023/10/24</a:t>
             </a:fld>
             <a:endParaRPr kumimoji="1" lang="ja-JP" altLang="en-US"/>
           </a:p>
@@ -4774,31 +4776,35 @@
           </a:p>
         </p:txBody>
       </p:sp>
-      <p:sp>
-        <p:nvSpPr>
-          <p:cNvPr id="3" name="コンテンツ プレースホルダー 2">
-            <a:extLst>
-              <a:ext uri="{FF2B5EF4-FFF2-40B4-BE49-F238E27FC236}">
-                <a16:creationId xmlns:a16="http://schemas.microsoft.com/office/drawing/2014/main" id="{A3B9D0A0-1891-9BEA-E892-867F05EA33EB}"/>
-              </a:ext>
-            </a:extLst>
-          </p:cNvPr>
-          <p:cNvSpPr>
-            <a:spLocks noGrp="1"/>
-          </p:cNvSpPr>
+      <p:pic>
+        <p:nvPicPr>
+          <p:cNvPr id="6" name="コンテンツ プレースホルダー 5">
+            <a:extLst>
+              <a:ext uri="{FF2B5EF4-FFF2-40B4-BE49-F238E27FC236}">
+                <a16:creationId xmlns:a16="http://schemas.microsoft.com/office/drawing/2014/main" id="{F0DDA422-F3BB-6931-6905-3C95F67380E9}"/>
+              </a:ext>
+            </a:extLst>
+          </p:cNvPr>
+          <p:cNvPicPr>
+            <a:picLocks noGrp="1" noChangeAspect="1"/>
+          </p:cNvPicPr>
           <p:nvPr>
             <p:ph idx="1"/>
           </p:nvPr>
-        </p:nvSpPr>
-        <p:spPr/>
-        <p:txBody>
-          <a:bodyPr/>
-          <a:lstStyle/>
-          <a:p>
-            <a:endParaRPr kumimoji="1" lang="ja-JP" altLang="en-US" dirty="0"/>
-          </a:p>
-        </p:txBody>
-      </p:sp>
+        </p:nvPicPr>
+        <p:blipFill>
+          <a:blip r:embed="rId2"/>
+          <a:stretch>
+            <a:fillRect/>
+          </a:stretch>
+        </p:blipFill>
+        <p:spPr>
+          <a:xfrm>
+            <a:off x="438308" y="2146822"/>
+            <a:ext cx="11315383" cy="3720577"/>
+          </a:xfrm>
+        </p:spPr>
+      </p:pic>
       <p:sp>
         <p:nvSpPr>
           <p:cNvPr id="4" name="スライド番号プレースホルダー 3">
@@ -4828,10 +4834,92 @@
           </a:p>
         </p:txBody>
       </p:sp>
+      <p:pic>
+        <p:nvPicPr>
+          <p:cNvPr id="7" name="コンテンツ プレースホルダー 5">
+            <a:extLst>
+              <a:ext uri="{FF2B5EF4-FFF2-40B4-BE49-F238E27FC236}">
+                <a16:creationId xmlns:a16="http://schemas.microsoft.com/office/drawing/2014/main" id="{9C9AF1F4-8D92-5370-5679-012EC4B12E1F}"/>
+              </a:ext>
+            </a:extLst>
+          </p:cNvPr>
+          <p:cNvPicPr>
+            <a:picLocks noChangeAspect="1"/>
+          </p:cNvPicPr>
+          <p:nvPr/>
+        </p:nvPicPr>
+        <p:blipFill>
+          <a:blip r:embed="rId3"/>
+          <a:stretch>
+            <a:fillRect/>
+          </a:stretch>
+        </p:blipFill>
+        <p:spPr>
+          <a:xfrm>
+            <a:off x="7778162" y="1737360"/>
+            <a:ext cx="3975529" cy="4269578"/>
+          </a:xfrm>
+          <a:prstGeom prst="rect">
+            <a:avLst/>
+          </a:prstGeom>
+        </p:spPr>
+      </p:pic>
+      <p:sp>
+        <p:nvSpPr>
+          <p:cNvPr id="3" name="四角形: 角を丸くする 2">
+            <a:extLst>
+              <a:ext uri="{FF2B5EF4-FFF2-40B4-BE49-F238E27FC236}">
+                <a16:creationId xmlns:a16="http://schemas.microsoft.com/office/drawing/2014/main" id="{767ED391-BADC-BF43-7CFA-E3A8A7766CC3}"/>
+              </a:ext>
+            </a:extLst>
+          </p:cNvPr>
+          <p:cNvSpPr/>
+          <p:nvPr/>
+        </p:nvSpPr>
+        <p:spPr>
+          <a:xfrm>
+            <a:off x="8641976" y="2762667"/>
+            <a:ext cx="2247900" cy="850900"/>
+          </a:xfrm>
+          <a:prstGeom prst="roundRect">
+            <a:avLst/>
+          </a:prstGeom>
+          <a:noFill/>
+          <a:ln w="57150">
+            <a:solidFill>
+              <a:srgbClr val="C00000"/>
+            </a:solidFill>
+          </a:ln>
+        </p:spPr>
+        <p:style>
+          <a:lnRef idx="2">
+            <a:schemeClr val="accent1">
+              <a:shade val="15000"/>
+            </a:schemeClr>
+          </a:lnRef>
+          <a:fillRef idx="1">
+            <a:schemeClr val="accent1"/>
+          </a:fillRef>
+          <a:effectRef idx="0">
+            <a:schemeClr val="accent1"/>
+          </a:effectRef>
+          <a:fontRef idx="minor">
+            <a:schemeClr val="lt1"/>
+          </a:fontRef>
+        </p:style>
+        <p:txBody>
+          <a:bodyPr rtlCol="0" anchor="ctr"/>
+          <a:lstStyle/>
+          <a:p>
+            <a:pPr algn="ctr"/>
+            <a:endParaRPr kumimoji="1" lang="ja-JP" altLang="en-US"/>
+          </a:p>
+        </p:txBody>
+      </p:sp>
     </p:spTree>
     <p:extLst>
       <p:ext uri="{BB962C8B-B14F-4D97-AF65-F5344CB8AC3E}">
-        <p14:creationId xmlns:p14="http://schemas.microsoft.com/office/powerpoint/2010/main" val="987784722"/>
+        <p14:creationId xmlns:p14="http://schemas.microsoft.com/office/powerpoint/2010/main" val="3552909074"/>
       </p:ext>
     </p:extLst>
   </p:cSld>
@@ -4888,31 +4976,6 @@
       </p:sp>
       <p:sp>
         <p:nvSpPr>
-          <p:cNvPr id="3" name="コンテンツ プレースホルダー 2">
-            <a:extLst>
-              <a:ext uri="{FF2B5EF4-FFF2-40B4-BE49-F238E27FC236}">
-                <a16:creationId xmlns:a16="http://schemas.microsoft.com/office/drawing/2014/main" id="{A3B9D0A0-1891-9BEA-E892-867F05EA33EB}"/>
-              </a:ext>
-            </a:extLst>
-          </p:cNvPr>
-          <p:cNvSpPr>
-            <a:spLocks noGrp="1"/>
-          </p:cNvSpPr>
-          <p:nvPr>
-            <p:ph idx="1"/>
-          </p:nvPr>
-        </p:nvSpPr>
-        <p:spPr/>
-        <p:txBody>
-          <a:bodyPr/>
-          <a:lstStyle/>
-          <a:p>
-            <a:endParaRPr kumimoji="1" lang="ja-JP" altLang="en-US" dirty="0"/>
-          </a:p>
-        </p:txBody>
-      </p:sp>
-      <p:sp>
-        <p:nvSpPr>
           <p:cNvPr id="4" name="スライド番号プレースホルダー 3">
             <a:extLst>
               <a:ext uri="{FF2B5EF4-FFF2-40B4-BE49-F238E27FC236}">
@@ -4940,10 +5003,42 @@
           </a:p>
         </p:txBody>
       </p:sp>
+      <p:pic>
+        <p:nvPicPr>
+          <p:cNvPr id="11" name="コンテンツ プレースホルダー 10">
+            <a:extLst>
+              <a:ext uri="{FF2B5EF4-FFF2-40B4-BE49-F238E27FC236}">
+                <a16:creationId xmlns:a16="http://schemas.microsoft.com/office/drawing/2014/main" id="{89E0E54D-0653-6D62-3EF8-19189BA3AAE9}"/>
+              </a:ext>
+            </a:extLst>
+          </p:cNvPr>
+          <p:cNvPicPr>
+            <a:picLocks noGrp="1" noChangeAspect="1"/>
+          </p:cNvPicPr>
+          <p:nvPr>
+            <p:ph idx="1"/>
+          </p:nvPr>
+        </p:nvPicPr>
+        <p:blipFill>
+          <a:blip r:embed="rId2"/>
+          <a:stretch>
+            <a:fillRect/>
+          </a:stretch>
+        </p:blipFill>
+        <p:spPr>
+          <a:xfrm>
+            <a:off x="177800" y="2101266"/>
+            <a:ext cx="11836400" cy="3239668"/>
+          </a:xfrm>
+          <a:prstGeom prst="rect">
+            <a:avLst/>
+          </a:prstGeom>
+        </p:spPr>
+      </p:pic>
     </p:spTree>
     <p:extLst>
       <p:ext uri="{BB962C8B-B14F-4D97-AF65-F5344CB8AC3E}">
-        <p14:creationId xmlns:p14="http://schemas.microsoft.com/office/powerpoint/2010/main" val="2881407335"/>
+        <p14:creationId xmlns:p14="http://schemas.microsoft.com/office/powerpoint/2010/main" val="3655240970"/>
       </p:ext>
     </p:extLst>
   </p:cSld>
@@ -5000,31 +5095,6 @@
       </p:sp>
       <p:sp>
         <p:nvSpPr>
-          <p:cNvPr id="3" name="コンテンツ プレースホルダー 2">
-            <a:extLst>
-              <a:ext uri="{FF2B5EF4-FFF2-40B4-BE49-F238E27FC236}">
-                <a16:creationId xmlns:a16="http://schemas.microsoft.com/office/drawing/2014/main" id="{A3B9D0A0-1891-9BEA-E892-867F05EA33EB}"/>
-              </a:ext>
-            </a:extLst>
-          </p:cNvPr>
-          <p:cNvSpPr>
-            <a:spLocks noGrp="1"/>
-          </p:cNvSpPr>
-          <p:nvPr>
-            <p:ph idx="1"/>
-          </p:nvPr>
-        </p:nvSpPr>
-        <p:spPr/>
-        <p:txBody>
-          <a:bodyPr/>
-          <a:lstStyle/>
-          <a:p>
-            <a:endParaRPr kumimoji="1" lang="ja-JP" altLang="en-US" dirty="0"/>
-          </a:p>
-        </p:txBody>
-      </p:sp>
-      <p:sp>
-        <p:nvSpPr>
           <p:cNvPr id="4" name="スライド番号プレースホルダー 3">
             <a:extLst>
               <a:ext uri="{FF2B5EF4-FFF2-40B4-BE49-F238E27FC236}">
@@ -5052,10 +5122,178 @@
           </a:p>
         </p:txBody>
       </p:sp>
+      <p:pic>
+        <p:nvPicPr>
+          <p:cNvPr id="11" name="コンテンツ プレースホルダー 10">
+            <a:extLst>
+              <a:ext uri="{FF2B5EF4-FFF2-40B4-BE49-F238E27FC236}">
+                <a16:creationId xmlns:a16="http://schemas.microsoft.com/office/drawing/2014/main" id="{89E0E54D-0653-6D62-3EF8-19189BA3AAE9}"/>
+              </a:ext>
+            </a:extLst>
+          </p:cNvPr>
+          <p:cNvPicPr>
+            <a:picLocks noGrp="1" noChangeAspect="1"/>
+          </p:cNvPicPr>
+          <p:nvPr>
+            <p:ph idx="1"/>
+          </p:nvPr>
+        </p:nvPicPr>
+        <p:blipFill>
+          <a:blip r:embed="rId2"/>
+          <a:stretch>
+            <a:fillRect/>
+          </a:stretch>
+        </p:blipFill>
+        <p:spPr>
+          <a:xfrm>
+            <a:off x="177800" y="2101266"/>
+            <a:ext cx="11836400" cy="3239668"/>
+          </a:xfrm>
+          <a:prstGeom prst="rect">
+            <a:avLst/>
+          </a:prstGeom>
+        </p:spPr>
+      </p:pic>
+      <p:sp>
+        <p:nvSpPr>
+          <p:cNvPr id="3" name="吹き出し: 線 2">
+            <a:extLst>
+              <a:ext uri="{FF2B5EF4-FFF2-40B4-BE49-F238E27FC236}">
+                <a16:creationId xmlns:a16="http://schemas.microsoft.com/office/drawing/2014/main" id="{7E021038-DA83-0464-BE1D-5900F3E2A9F0}"/>
+              </a:ext>
+            </a:extLst>
+          </p:cNvPr>
+          <p:cNvSpPr/>
+          <p:nvPr/>
+        </p:nvSpPr>
+        <p:spPr>
+          <a:xfrm>
+            <a:off x="3213100" y="5148997"/>
+            <a:ext cx="3009900" cy="1310787"/>
+          </a:xfrm>
+          <a:prstGeom prst="borderCallout1">
+            <a:avLst>
+              <a:gd name="adj1" fmla="val -34822"/>
+              <a:gd name="adj2" fmla="val -21568"/>
+              <a:gd name="adj3" fmla="val 51786"/>
+              <a:gd name="adj4" fmla="val -10882"/>
+            </a:avLst>
+          </a:prstGeom>
+          <a:solidFill>
+            <a:schemeClr val="bg1"/>
+          </a:solidFill>
+          <a:ln w="57150">
+            <a:solidFill>
+              <a:schemeClr val="accent3"/>
+            </a:solidFill>
+          </a:ln>
+        </p:spPr>
+        <p:style>
+          <a:lnRef idx="2">
+            <a:schemeClr val="accent1">
+              <a:shade val="15000"/>
+            </a:schemeClr>
+          </a:lnRef>
+          <a:fillRef idx="1">
+            <a:schemeClr val="accent1"/>
+          </a:fillRef>
+          <a:effectRef idx="0">
+            <a:schemeClr val="accent1"/>
+          </a:effectRef>
+          <a:fontRef idx="minor">
+            <a:schemeClr val="lt1"/>
+          </a:fontRef>
+        </p:style>
+        <p:txBody>
+          <a:bodyPr rtlCol="0" anchor="ctr"/>
+          <a:lstStyle/>
+          <a:p>
+            <a:pPr algn="ctr"/>
+            <a:r>
+              <a:rPr kumimoji="1" lang="ja-JP" altLang="en-US" sz="2400" dirty="0">
+                <a:solidFill>
+                  <a:schemeClr val="tx1"/>
+                </a:solidFill>
+                <a:latin typeface="UD デジタル 教科書体 N-R" panose="02020400000000000000" pitchFamily="17" charset="-128"/>
+                <a:ea typeface="UD デジタル 教科書体 N-R" panose="02020400000000000000" pitchFamily="17" charset="-128"/>
+              </a:rPr>
+              <a:t>コードを書くところ</a:t>
+            </a:r>
+          </a:p>
+        </p:txBody>
+      </p:sp>
+      <p:sp>
+        <p:nvSpPr>
+          <p:cNvPr id="6" name="吹き出し: 線 5">
+            <a:extLst>
+              <a:ext uri="{FF2B5EF4-FFF2-40B4-BE49-F238E27FC236}">
+                <a16:creationId xmlns:a16="http://schemas.microsoft.com/office/drawing/2014/main" id="{79994240-D91F-5116-2337-3C9158BA2269}"/>
+              </a:ext>
+            </a:extLst>
+          </p:cNvPr>
+          <p:cNvSpPr/>
+          <p:nvPr/>
+        </p:nvSpPr>
+        <p:spPr>
+          <a:xfrm>
+            <a:off x="5791200" y="757876"/>
+            <a:ext cx="3009900" cy="1310787"/>
+          </a:xfrm>
+          <a:prstGeom prst="borderCallout1">
+            <a:avLst>
+              <a:gd name="adj1" fmla="val 106635"/>
+              <a:gd name="adj2" fmla="val -77686"/>
+              <a:gd name="adj3" fmla="val 51786"/>
+              <a:gd name="adj4" fmla="val -10882"/>
+            </a:avLst>
+          </a:prstGeom>
+          <a:solidFill>
+            <a:schemeClr val="bg1"/>
+          </a:solidFill>
+          <a:ln w="57150">
+            <a:solidFill>
+              <a:schemeClr val="accent3"/>
+            </a:solidFill>
+          </a:ln>
+        </p:spPr>
+        <p:style>
+          <a:lnRef idx="2">
+            <a:schemeClr val="accent1">
+              <a:shade val="15000"/>
+            </a:schemeClr>
+          </a:lnRef>
+          <a:fillRef idx="1">
+            <a:schemeClr val="accent1"/>
+          </a:fillRef>
+          <a:effectRef idx="0">
+            <a:schemeClr val="accent1"/>
+          </a:effectRef>
+          <a:fontRef idx="minor">
+            <a:schemeClr val="lt1"/>
+          </a:fontRef>
+        </p:style>
+        <p:txBody>
+          <a:bodyPr rtlCol="0" anchor="ctr"/>
+          <a:lstStyle/>
+          <a:p>
+            <a:pPr algn="ctr"/>
+            <a:r>
+              <a:rPr kumimoji="1" lang="ja-JP" altLang="en-US" sz="2400" dirty="0">
+                <a:solidFill>
+                  <a:schemeClr val="tx1"/>
+                </a:solidFill>
+                <a:latin typeface="UD デジタル 教科書体 N-R" panose="02020400000000000000" pitchFamily="17" charset="-128"/>
+                <a:ea typeface="UD デジタル 教科書体 N-R" panose="02020400000000000000" pitchFamily="17" charset="-128"/>
+              </a:rPr>
+              <a:t>ファイル名変更場所</a:t>
+            </a:r>
+          </a:p>
+        </p:txBody>
+      </p:sp>
     </p:spTree>
     <p:extLst>
       <p:ext uri="{BB962C8B-B14F-4D97-AF65-F5344CB8AC3E}">
-        <p14:creationId xmlns:p14="http://schemas.microsoft.com/office/powerpoint/2010/main" val="3655240970"/>
+        <p14:creationId xmlns:p14="http://schemas.microsoft.com/office/powerpoint/2010/main" val="2818175022"/>
       </p:ext>
     </p:extLst>
   </p:cSld>
@@ -5110,31 +5348,34 @@
           </a:p>
         </p:txBody>
       </p:sp>
-      <p:sp>
-        <p:nvSpPr>
-          <p:cNvPr id="3" name="コンテンツ プレースホルダー 2">
-            <a:extLst>
-              <a:ext uri="{FF2B5EF4-FFF2-40B4-BE49-F238E27FC236}">
-                <a16:creationId xmlns:a16="http://schemas.microsoft.com/office/drawing/2014/main" id="{A3B9D0A0-1891-9BEA-E892-867F05EA33EB}"/>
-              </a:ext>
-            </a:extLst>
-          </p:cNvPr>
-          <p:cNvSpPr>
-            <a:spLocks noGrp="1"/>
-          </p:cNvSpPr>
+      <p:pic>
+        <p:nvPicPr>
+          <p:cNvPr id="6" name="コンテンツ プレースホルダー 5">
+            <a:extLst>
+              <a:ext uri="{FF2B5EF4-FFF2-40B4-BE49-F238E27FC236}">
+                <a16:creationId xmlns:a16="http://schemas.microsoft.com/office/drawing/2014/main" id="{E159B94E-C02A-F6EF-B574-8E6E23336375}"/>
+              </a:ext>
+            </a:extLst>
+          </p:cNvPr>
+          <p:cNvPicPr>
+            <a:picLocks noGrp="1" noChangeAspect="1"/>
+          </p:cNvPicPr>
           <p:nvPr>
             <p:ph idx="1"/>
           </p:nvPr>
-        </p:nvSpPr>
-        <p:spPr/>
-        <p:txBody>
-          <a:bodyPr/>
-          <a:lstStyle/>
-          <a:p>
-            <a:endParaRPr kumimoji="1" lang="ja-JP" altLang="en-US" dirty="0"/>
-          </a:p>
-        </p:txBody>
-      </p:sp>
+        </p:nvPicPr>
+        <p:blipFill rotWithShape="1">
+          <a:blip r:embed="rId2"/>
+          <a:srcRect r="17327" b="8781"/>
+          <a:stretch/>
+        </p:blipFill>
+        <p:spPr>
+          <a:xfrm>
+            <a:off x="6466449" y="167813"/>
+            <a:ext cx="4112246" cy="6522374"/>
+          </a:xfrm>
+        </p:spPr>
+      </p:pic>
       <p:sp>
         <p:nvSpPr>
           <p:cNvPr id="4" name="スライド番号プレースホルダー 3">
@@ -5161,6 +5402,142 @@
               <a:t>13</a:t>
             </a:fld>
             <a:endParaRPr kumimoji="1" lang="ja-JP" altLang="en-US"/>
+          </a:p>
+        </p:txBody>
+      </p:sp>
+      <p:sp>
+        <p:nvSpPr>
+          <p:cNvPr id="7" name="吹き出し: 線 6">
+            <a:extLst>
+              <a:ext uri="{FF2B5EF4-FFF2-40B4-BE49-F238E27FC236}">
+                <a16:creationId xmlns:a16="http://schemas.microsoft.com/office/drawing/2014/main" id="{6AE95CAA-B6A3-DC58-10B3-D75C4220B8B3}"/>
+              </a:ext>
+            </a:extLst>
+          </p:cNvPr>
+          <p:cNvSpPr/>
+          <p:nvPr/>
+        </p:nvSpPr>
+        <p:spPr>
+          <a:xfrm>
+            <a:off x="1864165" y="2349193"/>
+            <a:ext cx="3009900" cy="1310787"/>
+          </a:xfrm>
+          <a:prstGeom prst="borderCallout1">
+            <a:avLst>
+              <a:gd name="adj1" fmla="val 81444"/>
+              <a:gd name="adj2" fmla="val 163663"/>
+              <a:gd name="adj3" fmla="val 46942"/>
+              <a:gd name="adj4" fmla="val 109371"/>
+            </a:avLst>
+          </a:prstGeom>
+          <a:solidFill>
+            <a:schemeClr val="bg1"/>
+          </a:solidFill>
+          <a:ln w="57150">
+            <a:solidFill>
+              <a:schemeClr val="accent3"/>
+            </a:solidFill>
+          </a:ln>
+        </p:spPr>
+        <p:style>
+          <a:lnRef idx="2">
+            <a:schemeClr val="accent1">
+              <a:shade val="15000"/>
+            </a:schemeClr>
+          </a:lnRef>
+          <a:fillRef idx="1">
+            <a:schemeClr val="accent1"/>
+          </a:fillRef>
+          <a:effectRef idx="0">
+            <a:schemeClr val="accent1"/>
+          </a:effectRef>
+          <a:fontRef idx="minor">
+            <a:schemeClr val="lt1"/>
+          </a:fontRef>
+        </p:style>
+        <p:txBody>
+          <a:bodyPr rtlCol="0" anchor="ctr"/>
+          <a:lstStyle/>
+          <a:p>
+            <a:pPr algn="ctr"/>
+            <a:r>
+              <a:rPr kumimoji="1" lang="ja-JP" altLang="en-US" sz="2400" dirty="0">
+                <a:solidFill>
+                  <a:schemeClr val="tx1"/>
+                </a:solidFill>
+                <a:latin typeface="UD デジタル 教科書体 N-R" panose="02020400000000000000" pitchFamily="17" charset="-128"/>
+                <a:ea typeface="UD デジタル 教科書体 N-R" panose="02020400000000000000" pitchFamily="17" charset="-128"/>
+              </a:rPr>
+              <a:t>ファイルの保存</a:t>
+            </a:r>
+          </a:p>
+        </p:txBody>
+      </p:sp>
+      <p:sp>
+        <p:nvSpPr>
+          <p:cNvPr id="8" name="吹き出し: 線 7">
+            <a:extLst>
+              <a:ext uri="{FF2B5EF4-FFF2-40B4-BE49-F238E27FC236}">
+                <a16:creationId xmlns:a16="http://schemas.microsoft.com/office/drawing/2014/main" id="{7EFCB2B5-CF60-19D3-CAF5-ED065712912E}"/>
+              </a:ext>
+            </a:extLst>
+          </p:cNvPr>
+          <p:cNvSpPr/>
+          <p:nvPr/>
+        </p:nvSpPr>
+        <p:spPr>
+          <a:xfrm>
+            <a:off x="2019300" y="4914593"/>
+            <a:ext cx="3009900" cy="1310787"/>
+          </a:xfrm>
+          <a:prstGeom prst="borderCallout1">
+            <a:avLst>
+              <a:gd name="adj1" fmla="val 96946"/>
+              <a:gd name="adj2" fmla="val 159444"/>
+              <a:gd name="adj3" fmla="val 46942"/>
+              <a:gd name="adj4" fmla="val 109371"/>
+            </a:avLst>
+          </a:prstGeom>
+          <a:solidFill>
+            <a:schemeClr val="bg1"/>
+          </a:solidFill>
+          <a:ln w="57150">
+            <a:solidFill>
+              <a:schemeClr val="accent3"/>
+            </a:solidFill>
+          </a:ln>
+        </p:spPr>
+        <p:style>
+          <a:lnRef idx="2">
+            <a:schemeClr val="accent1">
+              <a:shade val="15000"/>
+            </a:schemeClr>
+          </a:lnRef>
+          <a:fillRef idx="1">
+            <a:schemeClr val="accent1"/>
+          </a:fillRef>
+          <a:effectRef idx="0">
+            <a:schemeClr val="accent1"/>
+          </a:effectRef>
+          <a:fontRef idx="minor">
+            <a:schemeClr val="lt1"/>
+          </a:fontRef>
+        </p:style>
+        <p:txBody>
+          <a:bodyPr rtlCol="0" anchor="ctr"/>
+          <a:lstStyle/>
+          <a:p>
+            <a:pPr algn="ctr"/>
+            <a:r>
+              <a:rPr kumimoji="1" lang="ja-JP" altLang="en-US" sz="2400" dirty="0">
+                <a:solidFill>
+                  <a:schemeClr val="tx1"/>
+                </a:solidFill>
+                <a:latin typeface="UD デジタル 教科書体 N-R" panose="02020400000000000000" pitchFamily="17" charset="-128"/>
+                <a:ea typeface="UD デジタル 教科書体 N-R" panose="02020400000000000000" pitchFamily="17" charset="-128"/>
+              </a:rPr>
+              <a:t>ファイルを閉じる</a:t>
+            </a:r>
           </a:p>
         </p:txBody>
       </p:sp>
@@ -5199,7 +5576,7 @@
           <p:cNvPr id="2" name="タイトル 1">
             <a:extLst>
               <a:ext uri="{FF2B5EF4-FFF2-40B4-BE49-F238E27FC236}">
-                <a16:creationId xmlns:a16="http://schemas.microsoft.com/office/drawing/2014/main" id="{373F007E-8678-6C40-DE23-9753B869C377}"/>
+                <a16:creationId xmlns:a16="http://schemas.microsoft.com/office/drawing/2014/main" id="{E6476380-FB26-D546-3DB1-874362244DE2}"/>
               </a:ext>
             </a:extLst>
           </p:cNvPr>
@@ -5217,65 +5594,46 @@
           <a:p>
             <a:r>
               <a:rPr kumimoji="1" lang="ja-JP" altLang="en-US" dirty="0"/>
-              <a:t>目次</a:t>
-            </a:r>
-          </a:p>
-        </p:txBody>
-      </p:sp>
-      <p:sp>
-        <p:nvSpPr>
-          <p:cNvPr id="3" name="コンテンツ プレースホルダー 2">
-            <a:extLst>
-              <a:ext uri="{FF2B5EF4-FFF2-40B4-BE49-F238E27FC236}">
-                <a16:creationId xmlns:a16="http://schemas.microsoft.com/office/drawing/2014/main" id="{BA8D9318-698F-04CF-6982-4790F8710A46}"/>
-              </a:ext>
-            </a:extLst>
-          </p:cNvPr>
-          <p:cNvSpPr>
-            <a:spLocks noGrp="1"/>
-          </p:cNvSpPr>
+              <a:t>操作方法</a:t>
+            </a:r>
+          </a:p>
+        </p:txBody>
+      </p:sp>
+      <p:pic>
+        <p:nvPicPr>
+          <p:cNvPr id="6" name="コンテンツ プレースホルダー 5">
+            <a:extLst>
+              <a:ext uri="{FF2B5EF4-FFF2-40B4-BE49-F238E27FC236}">
+                <a16:creationId xmlns:a16="http://schemas.microsoft.com/office/drawing/2014/main" id="{F0DDA422-F3BB-6931-6905-3C95F67380E9}"/>
+              </a:ext>
+            </a:extLst>
+          </p:cNvPr>
+          <p:cNvPicPr>
+            <a:picLocks noGrp="1" noChangeAspect="1"/>
+          </p:cNvPicPr>
           <p:nvPr>
             <p:ph idx="1"/>
           </p:nvPr>
-        </p:nvSpPr>
-        <p:spPr/>
-        <p:txBody>
-          <a:bodyPr/>
-          <a:lstStyle/>
-          <a:p>
-            <a:pPr marL="457200" indent="-457200">
-              <a:buFont typeface="+mj-lt"/>
-              <a:buAutoNum type="arabicPeriod"/>
-            </a:pPr>
-            <a:r>
-              <a:rPr kumimoji="1" lang="ja-JP" altLang="en-US" dirty="0"/>
-              <a:t>アキネイター</a:t>
-            </a:r>
-            <a:endParaRPr kumimoji="1" lang="en-US" altLang="ja-JP" dirty="0"/>
-          </a:p>
-          <a:p>
-            <a:pPr marL="457200" indent="-457200">
-              <a:buFont typeface="+mj-lt"/>
-              <a:buAutoNum type="arabicPeriod"/>
-            </a:pPr>
-            <a:r>
-              <a:rPr lang="en-US" altLang="ja-JP" dirty="0"/>
-              <a:t>Web</a:t>
-            </a:r>
-            <a:r>
-              <a:rPr lang="ja-JP" altLang="en-US" dirty="0"/>
-              <a:t>サイト</a:t>
-            </a:r>
-            <a:endParaRPr kumimoji="1" lang="ja-JP" altLang="en-US" dirty="0"/>
-          </a:p>
-        </p:txBody>
-      </p:sp>
+        </p:nvPicPr>
+        <p:blipFill>
+          <a:blip r:embed="rId2"/>
+          <a:stretch>
+            <a:fillRect/>
+          </a:stretch>
+        </p:blipFill>
+        <p:spPr>
+          <a:xfrm>
+            <a:off x="438308" y="2146822"/>
+            <a:ext cx="11315383" cy="3720577"/>
+          </a:xfrm>
+        </p:spPr>
+      </p:pic>
       <p:sp>
         <p:nvSpPr>
           <p:cNvPr id="4" name="スライド番号プレースホルダー 3">
             <a:extLst>
               <a:ext uri="{FF2B5EF4-FFF2-40B4-BE49-F238E27FC236}">
-                <a16:creationId xmlns:a16="http://schemas.microsoft.com/office/drawing/2014/main" id="{3C37E440-B2BF-F0C2-B5AB-B5791BF2FD6C}"/>
+                <a16:creationId xmlns:a16="http://schemas.microsoft.com/office/drawing/2014/main" id="{0D078BDE-3820-D944-3890-DD7D7FC349A5}"/>
               </a:ext>
             </a:extLst>
           </p:cNvPr>
@@ -5299,10 +5657,78 @@
           </a:p>
         </p:txBody>
       </p:sp>
+      <p:sp>
+        <p:nvSpPr>
+          <p:cNvPr id="3" name="吹き出し: 線 2">
+            <a:extLst>
+              <a:ext uri="{FF2B5EF4-FFF2-40B4-BE49-F238E27FC236}">
+                <a16:creationId xmlns:a16="http://schemas.microsoft.com/office/drawing/2014/main" id="{F1A2CE0F-73E4-1E7D-EE83-9473651673A5}"/>
+              </a:ext>
+            </a:extLst>
+          </p:cNvPr>
+          <p:cNvSpPr/>
+          <p:nvPr/>
+        </p:nvSpPr>
+        <p:spPr>
+          <a:xfrm>
+            <a:off x="6126480" y="1081966"/>
+            <a:ext cx="2012949" cy="1310787"/>
+          </a:xfrm>
+          <a:prstGeom prst="borderCallout1">
+            <a:avLst>
+              <a:gd name="adj1" fmla="val 89195"/>
+              <a:gd name="adj2" fmla="val 182157"/>
+              <a:gd name="adj3" fmla="val 46942"/>
+              <a:gd name="adj4" fmla="val 109371"/>
+            </a:avLst>
+          </a:prstGeom>
+          <a:solidFill>
+            <a:schemeClr val="bg1"/>
+          </a:solidFill>
+          <a:ln w="57150">
+            <a:solidFill>
+              <a:schemeClr val="accent3"/>
+            </a:solidFill>
+          </a:ln>
+        </p:spPr>
+        <p:style>
+          <a:lnRef idx="2">
+            <a:schemeClr val="accent1">
+              <a:shade val="15000"/>
+            </a:schemeClr>
+          </a:lnRef>
+          <a:fillRef idx="1">
+            <a:schemeClr val="accent1"/>
+          </a:fillRef>
+          <a:effectRef idx="0">
+            <a:schemeClr val="accent1"/>
+          </a:effectRef>
+          <a:fontRef idx="minor">
+            <a:schemeClr val="lt1"/>
+          </a:fontRef>
+        </p:style>
+        <p:txBody>
+          <a:bodyPr rtlCol="0" anchor="ctr"/>
+          <a:lstStyle/>
+          <a:p>
+            <a:pPr algn="ctr"/>
+            <a:r>
+              <a:rPr kumimoji="1" lang="ja-JP" altLang="en-US" sz="2400" dirty="0">
+                <a:solidFill>
+                  <a:schemeClr val="tx1"/>
+                </a:solidFill>
+                <a:latin typeface="UD デジタル 教科書体 N-R" panose="02020400000000000000" pitchFamily="17" charset="-128"/>
+                <a:ea typeface="UD デジタル 教科書体 N-R" panose="02020400000000000000" pitchFamily="17" charset="-128"/>
+              </a:rPr>
+              <a:t>閉じる</a:t>
+            </a:r>
+          </a:p>
+        </p:txBody>
+      </p:sp>
     </p:spTree>
     <p:extLst>
       <p:ext uri="{BB962C8B-B14F-4D97-AF65-F5344CB8AC3E}">
-        <p14:creationId xmlns:p14="http://schemas.microsoft.com/office/powerpoint/2010/main" val="1093587964"/>
+        <p14:creationId xmlns:p14="http://schemas.microsoft.com/office/powerpoint/2010/main" val="431495221"/>
       </p:ext>
     </p:extLst>
   </p:cSld>
@@ -5334,7 +5760,7 @@
           <p:cNvPr id="2" name="タイトル 1">
             <a:extLst>
               <a:ext uri="{FF2B5EF4-FFF2-40B4-BE49-F238E27FC236}">
-                <a16:creationId xmlns:a16="http://schemas.microsoft.com/office/drawing/2014/main" id="{52A60F15-DCED-7013-CD96-A0593BDF219C}"/>
+                <a16:creationId xmlns:a16="http://schemas.microsoft.com/office/drawing/2014/main" id="{4CB77C74-64EC-1982-5AF8-FEFC7949EF26}"/>
               </a:ext>
             </a:extLst>
           </p:cNvPr>
@@ -5352,7 +5778,11 @@
           <a:p>
             <a:r>
               <a:rPr lang="en-US" altLang="ja-JP" dirty="0" err="1"/>
-              <a:t>Akinator</a:t>
+              <a:t>Jupyter</a:t>
+            </a:r>
+            <a:r>
+              <a:rPr lang="en-US" altLang="ja-JP" dirty="0"/>
+              <a:t> Notebook</a:t>
             </a:r>
             <a:endParaRPr kumimoji="1" lang="ja-JP" altLang="en-US" dirty="0"/>
           </a:p>
@@ -5363,7 +5793,7 @@
           <p:cNvPr id="3" name="コンテンツ プレースホルダー 2">
             <a:extLst>
               <a:ext uri="{FF2B5EF4-FFF2-40B4-BE49-F238E27FC236}">
-                <a16:creationId xmlns:a16="http://schemas.microsoft.com/office/drawing/2014/main" id="{FF3549BA-AF73-D7C9-259A-E64B09393EA6}"/>
+                <a16:creationId xmlns:a16="http://schemas.microsoft.com/office/drawing/2014/main" id="{6069CC84-64F7-67D0-4689-7F6330270932}"/>
               </a:ext>
             </a:extLst>
           </p:cNvPr>
@@ -5381,44 +5811,20 @@
           </a:bodyPr>
           <a:lstStyle/>
           <a:p>
+            <a:r>
+              <a:rPr lang="ja-JP" altLang="en-US" sz="2800" dirty="0"/>
+              <a:t>注意点</a:t>
+            </a:r>
+            <a:endParaRPr lang="en-US" altLang="ja-JP" sz="2800" dirty="0"/>
+          </a:p>
+          <a:p>
             <a:pPr lvl="1"/>
             <a:r>
-              <a:rPr lang="ja-JP" altLang="en-US" sz="2400" dirty="0"/>
-              <a:t>とりあえず基盤は作成しました</a:t>
-            </a:r>
-            <a:endParaRPr lang="en-US" altLang="ja-JP" sz="2400" dirty="0"/>
-          </a:p>
-          <a:p>
-            <a:pPr lvl="1"/>
+              <a:rPr kumimoji="1" lang="ja-JP" altLang="en-US" sz="2400" dirty="0"/>
+              <a:t>タブを削除しただけでは止まっていない</a:t>
+            </a:r>
             <a:endParaRPr kumimoji="1" lang="en-US" altLang="ja-JP" sz="2400" dirty="0"/>
           </a:p>
-          <a:p>
-            <a:pPr lvl="1"/>
-            <a:r>
-              <a:rPr kumimoji="1" lang="ja-JP" altLang="en-US" sz="2400" dirty="0"/>
-              <a:t>謝罪・注意事項</a:t>
-            </a:r>
-            <a:endParaRPr kumimoji="1" lang="en-US" altLang="ja-JP" sz="2400" dirty="0"/>
-          </a:p>
-          <a:p>
-            <a:pPr lvl="2"/>
-            <a:r>
-              <a:rPr lang="en-US" altLang="ja-JP" sz="1800" dirty="0"/>
-              <a:t>UI (CSS) </a:t>
-            </a:r>
-            <a:r>
-              <a:rPr lang="ja-JP" altLang="en-US" sz="1800" dirty="0"/>
-              <a:t>がほとんど弄れていません</a:t>
-            </a:r>
-            <a:endParaRPr lang="en-US" altLang="ja-JP" sz="1800" dirty="0"/>
-          </a:p>
-          <a:p>
-            <a:pPr lvl="2"/>
-            <a:r>
-              <a:rPr kumimoji="1" lang="ja-JP" altLang="en-US" sz="1800" dirty="0"/>
-              <a:t>たまにエラーが起きます</a:t>
-            </a:r>
-          </a:p>
         </p:txBody>
       </p:sp>
       <p:sp>
@@ -5426,7 +5832,7 @@
           <p:cNvPr id="4" name="スライド番号プレースホルダー 3">
             <a:extLst>
               <a:ext uri="{FF2B5EF4-FFF2-40B4-BE49-F238E27FC236}">
-                <a16:creationId xmlns:a16="http://schemas.microsoft.com/office/drawing/2014/main" id="{6F4E40BF-803D-2CAC-E067-2CE95B0DAF39}"/>
+                <a16:creationId xmlns:a16="http://schemas.microsoft.com/office/drawing/2014/main" id="{EA8EACAB-1DE2-F8C5-68B3-5A88C22A0A3D}"/>
               </a:ext>
             </a:extLst>
           </p:cNvPr>
@@ -5453,7 +5859,7 @@
     </p:spTree>
     <p:extLst>
       <p:ext uri="{BB962C8B-B14F-4D97-AF65-F5344CB8AC3E}">
-        <p14:creationId xmlns:p14="http://schemas.microsoft.com/office/powerpoint/2010/main" val="4161518878"/>
+        <p14:creationId xmlns:p14="http://schemas.microsoft.com/office/powerpoint/2010/main" val="2533705978"/>
       </p:ext>
     </p:extLst>
   </p:cSld>
@@ -5485,6 +5891,331 @@
           <p:cNvPr id="2" name="タイトル 1">
             <a:extLst>
               <a:ext uri="{FF2B5EF4-FFF2-40B4-BE49-F238E27FC236}">
+                <a16:creationId xmlns:a16="http://schemas.microsoft.com/office/drawing/2014/main" id="{373F007E-8678-6C40-DE23-9753B869C377}"/>
+              </a:ext>
+            </a:extLst>
+          </p:cNvPr>
+          <p:cNvSpPr>
+            <a:spLocks noGrp="1"/>
+          </p:cNvSpPr>
+          <p:nvPr>
+            <p:ph type="title"/>
+          </p:nvPr>
+        </p:nvSpPr>
+        <p:spPr/>
+        <p:txBody>
+          <a:bodyPr/>
+          <a:lstStyle/>
+          <a:p>
+            <a:r>
+              <a:rPr kumimoji="1" lang="ja-JP" altLang="en-US" dirty="0"/>
+              <a:t>目次</a:t>
+            </a:r>
+          </a:p>
+        </p:txBody>
+      </p:sp>
+      <p:sp>
+        <p:nvSpPr>
+          <p:cNvPr id="3" name="コンテンツ プレースホルダー 2">
+            <a:extLst>
+              <a:ext uri="{FF2B5EF4-FFF2-40B4-BE49-F238E27FC236}">
+                <a16:creationId xmlns:a16="http://schemas.microsoft.com/office/drawing/2014/main" id="{BA8D9318-698F-04CF-6982-4790F8710A46}"/>
+              </a:ext>
+            </a:extLst>
+          </p:cNvPr>
+          <p:cNvSpPr>
+            <a:spLocks noGrp="1"/>
+          </p:cNvSpPr>
+          <p:nvPr>
+            <p:ph idx="1"/>
+          </p:nvPr>
+        </p:nvSpPr>
+        <p:spPr>
+          <a:xfrm>
+            <a:off x="1109980" y="1845734"/>
+            <a:ext cx="10058400" cy="4023360"/>
+          </a:xfrm>
+        </p:spPr>
+        <p:txBody>
+          <a:bodyPr/>
+          <a:lstStyle/>
+          <a:p>
+            <a:pPr marL="457200" indent="-457200">
+              <a:buFont typeface="+mj-lt"/>
+              <a:buAutoNum type="arabicPeriod"/>
+            </a:pPr>
+            <a:r>
+              <a:rPr kumimoji="1" lang="en-US" altLang="ja-JP" dirty="0"/>
+              <a:t>PC</a:t>
+            </a:r>
+            <a:r>
+              <a:rPr kumimoji="1" lang="ja-JP" altLang="en-US" dirty="0"/>
+              <a:t>環境</a:t>
+            </a:r>
+            <a:endParaRPr kumimoji="1" lang="en-US" altLang="ja-JP" dirty="0"/>
+          </a:p>
+          <a:p>
+            <a:pPr marL="457200" indent="-457200">
+              <a:buFont typeface="+mj-lt"/>
+              <a:buAutoNum type="arabicPeriod"/>
+            </a:pPr>
+            <a:r>
+              <a:rPr kumimoji="1" lang="ja-JP" altLang="en-US" dirty="0">
+                <a:solidFill>
+                  <a:srgbClr val="C00000"/>
+                </a:solidFill>
+              </a:rPr>
+              <a:t>アキネイター</a:t>
+            </a:r>
+            <a:endParaRPr kumimoji="1" lang="en-US" altLang="ja-JP" dirty="0">
+              <a:solidFill>
+                <a:srgbClr val="C00000"/>
+              </a:solidFill>
+            </a:endParaRPr>
+          </a:p>
+          <a:p>
+            <a:pPr marL="457200" indent="-457200">
+              <a:buFont typeface="+mj-lt"/>
+              <a:buAutoNum type="arabicPeriod"/>
+            </a:pPr>
+            <a:r>
+              <a:rPr lang="ja-JP" altLang="en-US" dirty="0"/>
+              <a:t>各種ファイル</a:t>
+            </a:r>
+            <a:endParaRPr kumimoji="1" lang="en-US" altLang="ja-JP" dirty="0"/>
+          </a:p>
+          <a:p>
+            <a:pPr marL="457200" indent="-457200">
+              <a:buFont typeface="+mj-lt"/>
+              <a:buAutoNum type="arabicPeriod"/>
+            </a:pPr>
+            <a:r>
+              <a:rPr lang="en-US" altLang="ja-JP" dirty="0"/>
+              <a:t>Web</a:t>
+            </a:r>
+            <a:r>
+              <a:rPr lang="ja-JP" altLang="en-US" dirty="0"/>
+              <a:t>サーバー</a:t>
+            </a:r>
+            <a:endParaRPr kumimoji="1" lang="ja-JP" altLang="en-US" dirty="0"/>
+          </a:p>
+        </p:txBody>
+      </p:sp>
+      <p:sp>
+        <p:nvSpPr>
+          <p:cNvPr id="4" name="スライド番号プレースホルダー 3">
+            <a:extLst>
+              <a:ext uri="{FF2B5EF4-FFF2-40B4-BE49-F238E27FC236}">
+                <a16:creationId xmlns:a16="http://schemas.microsoft.com/office/drawing/2014/main" id="{3C37E440-B2BF-F0C2-B5AB-B5791BF2FD6C}"/>
+              </a:ext>
+            </a:extLst>
+          </p:cNvPr>
+          <p:cNvSpPr>
+            <a:spLocks noGrp="1"/>
+          </p:cNvSpPr>
+          <p:nvPr>
+            <p:ph type="sldNum" sz="quarter" idx="12"/>
+          </p:nvPr>
+        </p:nvSpPr>
+        <p:spPr/>
+        <p:txBody>
+          <a:bodyPr/>
+          <a:lstStyle/>
+          <a:p>
+            <a:fld id="{5016889B-300C-442C-8A3E-4573D875919B}" type="slidenum">
+              <a:rPr kumimoji="1" lang="ja-JP" altLang="en-US" smtClean="0"/>
+              <a:t>16</a:t>
+            </a:fld>
+            <a:endParaRPr kumimoji="1" lang="ja-JP" altLang="en-US"/>
+          </a:p>
+        </p:txBody>
+      </p:sp>
+    </p:spTree>
+    <p:extLst>
+      <p:ext uri="{BB962C8B-B14F-4D97-AF65-F5344CB8AC3E}">
+        <p14:creationId xmlns:p14="http://schemas.microsoft.com/office/powerpoint/2010/main" val="2959386106"/>
+      </p:ext>
+    </p:extLst>
+  </p:cSld>
+  <p:clrMapOvr>
+    <a:masterClrMapping/>
+  </p:clrMapOvr>
+</p:sld>
+</file>
+
+<file path=ppt/slides/slide17.xml><?xml version="1.0" encoding="utf-8"?>
+<p:sld xmlns:a="http://schemas.openxmlformats.org/drawingml/2006/main" xmlns:r="http://schemas.openxmlformats.org/officeDocument/2006/relationships" xmlns:p="http://schemas.openxmlformats.org/presentationml/2006/main">
+  <p:cSld>
+    <p:spTree>
+      <p:nvGrpSpPr>
+        <p:cNvPr id="1" name=""/>
+        <p:cNvGrpSpPr/>
+        <p:nvPr/>
+      </p:nvGrpSpPr>
+      <p:grpSpPr>
+        <a:xfrm>
+          <a:off x="0" y="0"/>
+          <a:ext cx="0" cy="0"/>
+          <a:chOff x="0" y="0"/>
+          <a:chExt cx="0" cy="0"/>
+        </a:xfrm>
+      </p:grpSpPr>
+      <p:sp>
+        <p:nvSpPr>
+          <p:cNvPr id="2" name="タイトル 1">
+            <a:extLst>
+              <a:ext uri="{FF2B5EF4-FFF2-40B4-BE49-F238E27FC236}">
+                <a16:creationId xmlns:a16="http://schemas.microsoft.com/office/drawing/2014/main" id="{52A60F15-DCED-7013-CD96-A0593BDF219C}"/>
+              </a:ext>
+            </a:extLst>
+          </p:cNvPr>
+          <p:cNvSpPr>
+            <a:spLocks noGrp="1"/>
+          </p:cNvSpPr>
+          <p:nvPr>
+            <p:ph type="title"/>
+          </p:nvPr>
+        </p:nvSpPr>
+        <p:spPr/>
+        <p:txBody>
+          <a:bodyPr/>
+          <a:lstStyle/>
+          <a:p>
+            <a:r>
+              <a:rPr lang="en-US" altLang="ja-JP" dirty="0" err="1"/>
+              <a:t>Akinator</a:t>
+            </a:r>
+            <a:endParaRPr kumimoji="1" lang="ja-JP" altLang="en-US" dirty="0"/>
+          </a:p>
+        </p:txBody>
+      </p:sp>
+      <p:sp>
+        <p:nvSpPr>
+          <p:cNvPr id="3" name="コンテンツ プレースホルダー 2">
+            <a:extLst>
+              <a:ext uri="{FF2B5EF4-FFF2-40B4-BE49-F238E27FC236}">
+                <a16:creationId xmlns:a16="http://schemas.microsoft.com/office/drawing/2014/main" id="{FF3549BA-AF73-D7C9-259A-E64B09393EA6}"/>
+              </a:ext>
+            </a:extLst>
+          </p:cNvPr>
+          <p:cNvSpPr>
+            <a:spLocks noGrp="1"/>
+          </p:cNvSpPr>
+          <p:nvPr>
+            <p:ph idx="1"/>
+          </p:nvPr>
+        </p:nvSpPr>
+        <p:spPr/>
+        <p:txBody>
+          <a:bodyPr>
+            <a:normAutofit/>
+          </a:bodyPr>
+          <a:lstStyle/>
+          <a:p>
+            <a:pPr lvl="1"/>
+            <a:r>
+              <a:rPr lang="ja-JP" altLang="en-US" sz="2400" dirty="0"/>
+              <a:t>とりあえず基盤は作成しました</a:t>
+            </a:r>
+            <a:endParaRPr lang="en-US" altLang="ja-JP" sz="2400" dirty="0"/>
+          </a:p>
+          <a:p>
+            <a:pPr lvl="1"/>
+            <a:endParaRPr kumimoji="1" lang="en-US" altLang="ja-JP" sz="2400" dirty="0"/>
+          </a:p>
+          <a:p>
+            <a:pPr lvl="1"/>
+            <a:r>
+              <a:rPr kumimoji="1" lang="ja-JP" altLang="en-US" sz="2400" dirty="0"/>
+              <a:t>謝罪・注意事項</a:t>
+            </a:r>
+            <a:endParaRPr kumimoji="1" lang="en-US" altLang="ja-JP" sz="2400" dirty="0"/>
+          </a:p>
+          <a:p>
+            <a:pPr lvl="2"/>
+            <a:r>
+              <a:rPr lang="en-US" altLang="ja-JP" sz="1800" dirty="0"/>
+              <a:t>UI (CSS) </a:t>
+            </a:r>
+            <a:r>
+              <a:rPr lang="ja-JP" altLang="en-US" sz="1800" dirty="0"/>
+              <a:t>がほとんど弄れていません</a:t>
+            </a:r>
+            <a:endParaRPr lang="en-US" altLang="ja-JP" sz="1800" dirty="0"/>
+          </a:p>
+          <a:p>
+            <a:pPr lvl="2"/>
+            <a:r>
+              <a:rPr kumimoji="1" lang="ja-JP" altLang="en-US" sz="1800" dirty="0"/>
+              <a:t>たまにエラーが起きます</a:t>
+            </a:r>
+          </a:p>
+        </p:txBody>
+      </p:sp>
+      <p:sp>
+        <p:nvSpPr>
+          <p:cNvPr id="4" name="スライド番号プレースホルダー 3">
+            <a:extLst>
+              <a:ext uri="{FF2B5EF4-FFF2-40B4-BE49-F238E27FC236}">
+                <a16:creationId xmlns:a16="http://schemas.microsoft.com/office/drawing/2014/main" id="{6F4E40BF-803D-2CAC-E067-2CE95B0DAF39}"/>
+              </a:ext>
+            </a:extLst>
+          </p:cNvPr>
+          <p:cNvSpPr>
+            <a:spLocks noGrp="1"/>
+          </p:cNvSpPr>
+          <p:nvPr>
+            <p:ph type="sldNum" sz="quarter" idx="12"/>
+          </p:nvPr>
+        </p:nvSpPr>
+        <p:spPr/>
+        <p:txBody>
+          <a:bodyPr/>
+          <a:lstStyle/>
+          <a:p>
+            <a:fld id="{5016889B-300C-442C-8A3E-4573D875919B}" type="slidenum">
+              <a:rPr kumimoji="1" lang="ja-JP" altLang="en-US" smtClean="0"/>
+              <a:t>17</a:t>
+            </a:fld>
+            <a:endParaRPr kumimoji="1" lang="ja-JP" altLang="en-US"/>
+          </a:p>
+        </p:txBody>
+      </p:sp>
+    </p:spTree>
+    <p:extLst>
+      <p:ext uri="{BB962C8B-B14F-4D97-AF65-F5344CB8AC3E}">
+        <p14:creationId xmlns:p14="http://schemas.microsoft.com/office/powerpoint/2010/main" val="4161518878"/>
+      </p:ext>
+    </p:extLst>
+  </p:cSld>
+  <p:clrMapOvr>
+    <a:masterClrMapping/>
+  </p:clrMapOvr>
+</p:sld>
+</file>
+
+<file path=ppt/slides/slide18.xml><?xml version="1.0" encoding="utf-8"?>
+<p:sld xmlns:a="http://schemas.openxmlformats.org/drawingml/2006/main" xmlns:r="http://schemas.openxmlformats.org/officeDocument/2006/relationships" xmlns:p="http://schemas.openxmlformats.org/presentationml/2006/main">
+  <p:cSld>
+    <p:spTree>
+      <p:nvGrpSpPr>
+        <p:cNvPr id="1" name=""/>
+        <p:cNvGrpSpPr/>
+        <p:nvPr/>
+      </p:nvGrpSpPr>
+      <p:grpSpPr>
+        <a:xfrm>
+          <a:off x="0" y="0"/>
+          <a:ext cx="0" cy="0"/>
+          <a:chOff x="0" y="0"/>
+          <a:chExt cx="0" cy="0"/>
+        </a:xfrm>
+      </p:grpSpPr>
+      <p:sp>
+        <p:nvSpPr>
+          <p:cNvPr id="2" name="タイトル 1">
+            <a:extLst>
+              <a:ext uri="{FF2B5EF4-FFF2-40B4-BE49-F238E27FC236}">
                 <a16:creationId xmlns:a16="http://schemas.microsoft.com/office/drawing/2014/main" id="{CD47C0E3-6241-4866-D893-2DD01980F725}"/>
               </a:ext>
             </a:extLst>
@@ -5570,7 +6301,7 @@
         <p:spPr>
           <a:xfrm>
             <a:off x="9041802" y="2895599"/>
-            <a:ext cx="2477845" cy="1450757"/>
+            <a:ext cx="2781898" cy="1450757"/>
           </a:xfrm>
           <a:prstGeom prst="borderCallout2">
             <a:avLst>
@@ -5617,6 +6348,8 @@
                 <a:solidFill>
                   <a:schemeClr val="tx1"/>
                 </a:solidFill>
+                <a:latin typeface="UD デジタル 教科書体 N-R" panose="02020400000000000000" pitchFamily="17" charset="-128"/>
+                <a:ea typeface="UD デジタル 教科書体 N-R" panose="02020400000000000000" pitchFamily="17" charset="-128"/>
               </a:rPr>
               <a:t>カーソルを乗せたときのアクション </a:t>
             </a:r>
@@ -5625,6 +6358,8 @@
                 <a:solidFill>
                   <a:schemeClr val="tx1"/>
                 </a:solidFill>
+                <a:latin typeface="UD デジタル 教科書体 N-R" panose="02020400000000000000" pitchFamily="17" charset="-128"/>
+                <a:ea typeface="UD デジタル 教科書体 N-R" panose="02020400000000000000" pitchFamily="17" charset="-128"/>
               </a:rPr>
               <a:t>(</a:t>
             </a:r>
@@ -5633,6 +6368,8 @@
                 <a:solidFill>
                   <a:schemeClr val="tx1"/>
                 </a:solidFill>
+                <a:latin typeface="UD デジタル 教科書体 N-R" panose="02020400000000000000" pitchFamily="17" charset="-128"/>
+                <a:ea typeface="UD デジタル 教科書体 N-R" panose="02020400000000000000" pitchFamily="17" charset="-128"/>
               </a:rPr>
               <a:t>本家再現</a:t>
             </a:r>
@@ -5641,6 +6378,8 @@
                 <a:solidFill>
                   <a:schemeClr val="tx1"/>
                 </a:solidFill>
+                <a:latin typeface="UD デジタル 教科書体 N-R" panose="02020400000000000000" pitchFamily="17" charset="-128"/>
+                <a:ea typeface="UD デジタル 教科書体 N-R" panose="02020400000000000000" pitchFamily="17" charset="-128"/>
               </a:rPr>
               <a:t>)</a:t>
             </a:r>
@@ -5652,6 +6391,8 @@
                 <a:solidFill>
                   <a:schemeClr val="tx1"/>
                 </a:solidFill>
+                <a:latin typeface="UD デジタル 教科書体 N-R" panose="02020400000000000000" pitchFamily="17" charset="-128"/>
+                <a:ea typeface="UD デジタル 教科書体 N-R" panose="02020400000000000000" pitchFamily="17" charset="-128"/>
               </a:rPr>
               <a:t>(</a:t>
             </a:r>
@@ -5660,6 +6401,8 @@
                 <a:solidFill>
                   <a:schemeClr val="tx1"/>
                 </a:solidFill>
+                <a:latin typeface="UD デジタル 教科書体 N-R" panose="02020400000000000000" pitchFamily="17" charset="-128"/>
+                <a:ea typeface="UD デジタル 教科書体 N-R" panose="02020400000000000000" pitchFamily="17" charset="-128"/>
               </a:rPr>
               <a:t>設定場所が分かりやすいように色は適当</a:t>
             </a:r>
@@ -5668,6 +6411,8 @@
                 <a:solidFill>
                   <a:schemeClr val="tx1"/>
                 </a:solidFill>
+                <a:latin typeface="UD デジタル 教科書体 N-R" panose="02020400000000000000" pitchFamily="17" charset="-128"/>
+                <a:ea typeface="UD デジタル 教科書体 N-R" panose="02020400000000000000" pitchFamily="17" charset="-128"/>
               </a:rPr>
               <a:t>)</a:t>
             </a:r>
@@ -5675,6 +6420,8 @@
               <a:solidFill>
                 <a:schemeClr val="tx1"/>
               </a:solidFill>
+              <a:latin typeface="UD デジタル 教科書体 N-R" panose="02020400000000000000" pitchFamily="17" charset="-128"/>
+              <a:ea typeface="UD デジタル 教科書体 N-R" panose="02020400000000000000" pitchFamily="17" charset="-128"/>
             </a:endParaRPr>
           </a:p>
         </p:txBody>
@@ -5693,8 +6440,8 @@
         </p:nvSpPr>
         <p:spPr>
           <a:xfrm>
-            <a:off x="726140" y="4914710"/>
-            <a:ext cx="1792941" cy="1066800"/>
+            <a:off x="431800" y="4914710"/>
+            <a:ext cx="2087281" cy="1066800"/>
           </a:xfrm>
           <a:prstGeom prst="borderCallout2">
             <a:avLst>
@@ -5741,6 +6488,8 @@
                 <a:solidFill>
                   <a:schemeClr val="tx1"/>
                 </a:solidFill>
+                <a:latin typeface="UD デジタル 教科書体 N-R" panose="02020400000000000000" pitchFamily="17" charset="-128"/>
+                <a:ea typeface="UD デジタル 教科書体 N-R" panose="02020400000000000000" pitchFamily="17" charset="-128"/>
               </a:rPr>
               <a:t>データのリセット</a:t>
             </a:r>
@@ -5809,6 +6558,8 @@
                 <a:solidFill>
                   <a:schemeClr val="tx1"/>
                 </a:solidFill>
+                <a:latin typeface="UD デジタル 教科書体 N-R" panose="02020400000000000000" pitchFamily="17" charset="-128"/>
+                <a:ea typeface="UD デジタル 教科書体 N-R" panose="02020400000000000000" pitchFamily="17" charset="-128"/>
               </a:rPr>
               <a:t>質問毎に画像が変化するようにしました</a:t>
             </a:r>
@@ -5838,7 +6589,7 @@
           <a:p>
             <a:fld id="{5016889B-300C-442C-8A3E-4573D875919B}" type="slidenum">
               <a:rPr kumimoji="1" lang="ja-JP" altLang="en-US" smtClean="0"/>
-              <a:t>16</a:t>
+              <a:t>18</a:t>
             </a:fld>
             <a:endParaRPr kumimoji="1" lang="ja-JP" altLang="en-US"/>
           </a:p>
@@ -5857,7 +6608,7 @@
 </p:sld>
 </file>
 
-<file path=ppt/slides/slide17.xml><?xml version="1.0" encoding="utf-8"?>
+<file path=ppt/slides/slide19.xml><?xml version="1.0" encoding="utf-8"?>
 <p:sld xmlns:a="http://schemas.openxmlformats.org/drawingml/2006/main" xmlns:r="http://schemas.openxmlformats.org/officeDocument/2006/relationships" xmlns:p="http://schemas.openxmlformats.org/presentationml/2006/main">
   <p:cSld>
     <p:spTree>
@@ -5928,8 +6679,12 @@
               <a:buAutoNum type="arabicPeriod"/>
             </a:pPr>
             <a:r>
+              <a:rPr kumimoji="1" lang="en-US" altLang="ja-JP" dirty="0"/>
+              <a:t>PC</a:t>
+            </a:r>
+            <a:r>
               <a:rPr kumimoji="1" lang="ja-JP" altLang="en-US" dirty="0"/>
-              <a:t>アキネイター</a:t>
+              <a:t>環境</a:t>
             </a:r>
             <a:endParaRPr kumimoji="1" lang="en-US" altLang="ja-JP" dirty="0"/>
           </a:p>
@@ -5939,12 +6694,42 @@
               <a:buAutoNum type="arabicPeriod"/>
             </a:pPr>
             <a:r>
+              <a:rPr kumimoji="1" lang="ja-JP" altLang="en-US" dirty="0"/>
+              <a:t>アキネイター</a:t>
+            </a:r>
+            <a:endParaRPr kumimoji="1" lang="en-US" altLang="ja-JP" dirty="0"/>
+          </a:p>
+          <a:p>
+            <a:pPr marL="457200" indent="-457200">
+              <a:buFont typeface="+mj-lt"/>
+              <a:buAutoNum type="arabicPeriod"/>
+            </a:pPr>
+            <a:r>
+              <a:rPr lang="ja-JP" altLang="en-US" dirty="0">
+                <a:solidFill>
+                  <a:srgbClr val="C00000"/>
+                </a:solidFill>
+              </a:rPr>
+              <a:t>各種ファイル</a:t>
+            </a:r>
+            <a:endParaRPr kumimoji="1" lang="en-US" altLang="ja-JP" dirty="0">
+              <a:solidFill>
+                <a:srgbClr val="C00000"/>
+              </a:solidFill>
+            </a:endParaRPr>
+          </a:p>
+          <a:p>
+            <a:pPr marL="457200" indent="-457200">
+              <a:buFont typeface="+mj-lt"/>
+              <a:buAutoNum type="arabicPeriod"/>
+            </a:pPr>
+            <a:r>
               <a:rPr lang="en-US" altLang="ja-JP" dirty="0"/>
               <a:t>Web</a:t>
             </a:r>
             <a:r>
               <a:rPr lang="ja-JP" altLang="en-US" dirty="0"/>
-              <a:t>サイト</a:t>
+              <a:t>サーバー</a:t>
             </a:r>
             <a:endParaRPr kumimoji="1" lang="ja-JP" altLang="en-US" dirty="0"/>
           </a:p>
@@ -5973,7 +6758,7 @@
           <a:p>
             <a:fld id="{5016889B-300C-442C-8A3E-4573D875919B}" type="slidenum">
               <a:rPr kumimoji="1" lang="ja-JP" altLang="en-US" smtClean="0"/>
-              <a:t>17</a:t>
+              <a:t>19</a:t>
             </a:fld>
             <a:endParaRPr kumimoji="1" lang="ja-JP" altLang="en-US"/>
           </a:p>
@@ -5982,7 +6767,7 @@
     </p:spTree>
     <p:extLst>
       <p:ext uri="{BB962C8B-B14F-4D97-AF65-F5344CB8AC3E}">
-        <p14:creationId xmlns:p14="http://schemas.microsoft.com/office/powerpoint/2010/main" val="3378884924"/>
+        <p14:creationId xmlns:p14="http://schemas.microsoft.com/office/powerpoint/2010/main" val="1654034968"/>
       </p:ext>
     </p:extLst>
   </p:cSld>
@@ -5992,7 +6777,7 @@
 </p:sld>
 </file>
 
-<file path=ppt/slides/slide18.xml><?xml version="1.0" encoding="utf-8"?>
+<file path=ppt/slides/slide2.xml><?xml version="1.0" encoding="utf-8"?>
 <p:sld xmlns:a="http://schemas.openxmlformats.org/drawingml/2006/main" xmlns:r="http://schemas.openxmlformats.org/officeDocument/2006/relationships" xmlns:p="http://schemas.openxmlformats.org/presentationml/2006/main">
   <p:cSld>
     <p:spTree>
@@ -6014,6 +6799,167 @@
           <p:cNvPr id="2" name="タイトル 1">
             <a:extLst>
               <a:ext uri="{FF2B5EF4-FFF2-40B4-BE49-F238E27FC236}">
+                <a16:creationId xmlns:a16="http://schemas.microsoft.com/office/drawing/2014/main" id="{373F007E-8678-6C40-DE23-9753B869C377}"/>
+              </a:ext>
+            </a:extLst>
+          </p:cNvPr>
+          <p:cNvSpPr>
+            <a:spLocks noGrp="1"/>
+          </p:cNvSpPr>
+          <p:nvPr>
+            <p:ph type="title"/>
+          </p:nvPr>
+        </p:nvSpPr>
+        <p:spPr/>
+        <p:txBody>
+          <a:bodyPr/>
+          <a:lstStyle/>
+          <a:p>
+            <a:r>
+              <a:rPr kumimoji="1" lang="ja-JP" altLang="en-US" dirty="0"/>
+              <a:t>目次</a:t>
+            </a:r>
+          </a:p>
+        </p:txBody>
+      </p:sp>
+      <p:sp>
+        <p:nvSpPr>
+          <p:cNvPr id="3" name="コンテンツ プレースホルダー 2">
+            <a:extLst>
+              <a:ext uri="{FF2B5EF4-FFF2-40B4-BE49-F238E27FC236}">
+                <a16:creationId xmlns:a16="http://schemas.microsoft.com/office/drawing/2014/main" id="{BA8D9318-698F-04CF-6982-4790F8710A46}"/>
+              </a:ext>
+            </a:extLst>
+          </p:cNvPr>
+          <p:cNvSpPr>
+            <a:spLocks noGrp="1"/>
+          </p:cNvSpPr>
+          <p:nvPr>
+            <p:ph idx="1"/>
+          </p:nvPr>
+        </p:nvSpPr>
+        <p:spPr/>
+        <p:txBody>
+          <a:bodyPr/>
+          <a:lstStyle/>
+          <a:p>
+            <a:pPr marL="457200" indent="-457200">
+              <a:buFont typeface="+mj-lt"/>
+              <a:buAutoNum type="arabicPeriod"/>
+            </a:pPr>
+            <a:r>
+              <a:rPr kumimoji="1" lang="en-US" altLang="ja-JP" dirty="0"/>
+              <a:t>PC</a:t>
+            </a:r>
+            <a:r>
+              <a:rPr kumimoji="1" lang="ja-JP" altLang="en-US" dirty="0"/>
+              <a:t>環境</a:t>
+            </a:r>
+            <a:endParaRPr kumimoji="1" lang="en-US" altLang="ja-JP" dirty="0"/>
+          </a:p>
+          <a:p>
+            <a:pPr marL="457200" indent="-457200">
+              <a:buFont typeface="+mj-lt"/>
+              <a:buAutoNum type="arabicPeriod"/>
+            </a:pPr>
+            <a:r>
+              <a:rPr kumimoji="1" lang="ja-JP" altLang="en-US" dirty="0"/>
+              <a:t>アキネイター</a:t>
+            </a:r>
+            <a:endParaRPr kumimoji="1" lang="en-US" altLang="ja-JP" dirty="0"/>
+          </a:p>
+          <a:p>
+            <a:pPr marL="457200" indent="-457200">
+              <a:buFont typeface="+mj-lt"/>
+              <a:buAutoNum type="arabicPeriod"/>
+            </a:pPr>
+            <a:r>
+              <a:rPr lang="ja-JP" altLang="en-US" dirty="0"/>
+              <a:t>各種ファイル</a:t>
+            </a:r>
+            <a:endParaRPr kumimoji="1" lang="en-US" altLang="ja-JP" dirty="0"/>
+          </a:p>
+          <a:p>
+            <a:pPr marL="457200" indent="-457200">
+              <a:buFont typeface="+mj-lt"/>
+              <a:buAutoNum type="arabicPeriod"/>
+            </a:pPr>
+            <a:r>
+              <a:rPr lang="en-US" altLang="ja-JP" dirty="0"/>
+              <a:t>Web</a:t>
+            </a:r>
+            <a:r>
+              <a:rPr lang="ja-JP" altLang="en-US" dirty="0"/>
+              <a:t>サーバー</a:t>
+            </a:r>
+            <a:endParaRPr kumimoji="1" lang="ja-JP" altLang="en-US" dirty="0"/>
+          </a:p>
+        </p:txBody>
+      </p:sp>
+      <p:sp>
+        <p:nvSpPr>
+          <p:cNvPr id="4" name="スライド番号プレースホルダー 3">
+            <a:extLst>
+              <a:ext uri="{FF2B5EF4-FFF2-40B4-BE49-F238E27FC236}">
+                <a16:creationId xmlns:a16="http://schemas.microsoft.com/office/drawing/2014/main" id="{3C37E440-B2BF-F0C2-B5AB-B5791BF2FD6C}"/>
+              </a:ext>
+            </a:extLst>
+          </p:cNvPr>
+          <p:cNvSpPr>
+            <a:spLocks noGrp="1"/>
+          </p:cNvSpPr>
+          <p:nvPr>
+            <p:ph type="sldNum" sz="quarter" idx="12"/>
+          </p:nvPr>
+        </p:nvSpPr>
+        <p:spPr/>
+        <p:txBody>
+          <a:bodyPr/>
+          <a:lstStyle/>
+          <a:p>
+            <a:fld id="{5016889B-300C-442C-8A3E-4573D875919B}" type="slidenum">
+              <a:rPr kumimoji="1" lang="ja-JP" altLang="en-US" smtClean="0"/>
+              <a:t>2</a:t>
+            </a:fld>
+            <a:endParaRPr kumimoji="1" lang="ja-JP" altLang="en-US"/>
+          </a:p>
+        </p:txBody>
+      </p:sp>
+    </p:spTree>
+    <p:extLst>
+      <p:ext uri="{BB962C8B-B14F-4D97-AF65-F5344CB8AC3E}">
+        <p14:creationId xmlns:p14="http://schemas.microsoft.com/office/powerpoint/2010/main" val="2380061762"/>
+      </p:ext>
+    </p:extLst>
+  </p:cSld>
+  <p:clrMapOvr>
+    <a:masterClrMapping/>
+  </p:clrMapOvr>
+</p:sld>
+</file>
+
+<file path=ppt/slides/slide20.xml><?xml version="1.0" encoding="utf-8"?>
+<p:sld xmlns:a="http://schemas.openxmlformats.org/drawingml/2006/main" xmlns:r="http://schemas.openxmlformats.org/officeDocument/2006/relationships" xmlns:p="http://schemas.openxmlformats.org/presentationml/2006/main">
+  <p:cSld>
+    <p:spTree>
+      <p:nvGrpSpPr>
+        <p:cNvPr id="1" name=""/>
+        <p:cNvGrpSpPr/>
+        <p:nvPr/>
+      </p:nvGrpSpPr>
+      <p:grpSpPr>
+        <a:xfrm>
+          <a:off x="0" y="0"/>
+          <a:ext cx="0" cy="0"/>
+          <a:chOff x="0" y="0"/>
+          <a:chExt cx="0" cy="0"/>
+        </a:xfrm>
+      </p:grpSpPr>
+      <p:sp>
+        <p:nvSpPr>
+          <p:cNvPr id="2" name="タイトル 1">
+            <a:extLst>
+              <a:ext uri="{FF2B5EF4-FFF2-40B4-BE49-F238E27FC236}">
                 <a16:creationId xmlns:a16="http://schemas.microsoft.com/office/drawing/2014/main" id="{28463002-8A01-EFA5-370C-756349AD101C}"/>
               </a:ext>
             </a:extLst>
@@ -6074,7 +7020,12 @@
             <p:ph idx="1"/>
           </p:nvPr>
         </p:nvSpPr>
-        <p:spPr/>
+        <p:spPr>
+          <a:xfrm>
+            <a:off x="1097280" y="1845734"/>
+            <a:ext cx="10058400" cy="4023360"/>
+          </a:xfrm>
+        </p:spPr>
         <p:txBody>
           <a:bodyPr/>
           <a:lstStyle/>
@@ -6189,7 +7140,7 @@
           <a:p>
             <a:fld id="{5016889B-300C-442C-8A3E-4573D875919B}" type="slidenum">
               <a:rPr kumimoji="1" lang="ja-JP" altLang="en-US" smtClean="0"/>
-              <a:t>18</a:t>
+              <a:t>20</a:t>
             </a:fld>
             <a:endParaRPr kumimoji="1" lang="ja-JP" altLang="en-US"/>
           </a:p>
@@ -6378,7 +7329,7 @@
 </p:sld>
 </file>
 
-<file path=ppt/slides/slide19.xml><?xml version="1.0" encoding="utf-8"?>
+<file path=ppt/slides/slide21.xml><?xml version="1.0" encoding="utf-8"?>
 <p:sld xmlns:a="http://schemas.openxmlformats.org/drawingml/2006/main" xmlns:r="http://schemas.openxmlformats.org/officeDocument/2006/relationships" xmlns:p="http://schemas.openxmlformats.org/presentationml/2006/main">
   <p:cSld>
     <p:spTree>
@@ -6621,7 +7572,7 @@
           <a:p>
             <a:fld id="{5016889B-300C-442C-8A3E-4573D875919B}" type="slidenum">
               <a:rPr kumimoji="1" lang="ja-JP" altLang="en-US" smtClean="0"/>
-              <a:t>19</a:t>
+              <a:t>21</a:t>
             </a:fld>
             <a:endParaRPr kumimoji="1" lang="ja-JP" altLang="en-US"/>
           </a:p>
@@ -6911,7 +7862,7 @@
 </p:sld>
 </file>
 
-<file path=ppt/slides/slide2.xml><?xml version="1.0" encoding="utf-8"?>
+<file path=ppt/slides/slide22.xml><?xml version="1.0" encoding="utf-8"?>
 <p:sld xmlns:a="http://schemas.openxmlformats.org/drawingml/2006/main" xmlns:r="http://schemas.openxmlformats.org/officeDocument/2006/relationships" xmlns:p="http://schemas.openxmlformats.org/presentationml/2006/main">
   <p:cSld>
     <p:spTree>
@@ -6933,190 +7884,6 @@
           <p:cNvPr id="2" name="タイトル 1">
             <a:extLst>
               <a:ext uri="{FF2B5EF4-FFF2-40B4-BE49-F238E27FC236}">
-                <a16:creationId xmlns:a16="http://schemas.microsoft.com/office/drawing/2014/main" id="{B266682E-199C-125F-6F25-2D45EA504B0C}"/>
-              </a:ext>
-            </a:extLst>
-          </p:cNvPr>
-          <p:cNvSpPr>
-            <a:spLocks noGrp="1"/>
-          </p:cNvSpPr>
-          <p:nvPr>
-            <p:ph type="title"/>
-          </p:nvPr>
-        </p:nvSpPr>
-        <p:spPr/>
-        <p:txBody>
-          <a:bodyPr/>
-          <a:lstStyle/>
-          <a:p>
-            <a:r>
-              <a:rPr kumimoji="1" lang="ja-JP" altLang="en-US" dirty="0"/>
-              <a:t>目次</a:t>
-            </a:r>
-          </a:p>
-        </p:txBody>
-      </p:sp>
-      <p:sp>
-        <p:nvSpPr>
-          <p:cNvPr id="3" name="コンテンツ プレースホルダー 2">
-            <a:extLst>
-              <a:ext uri="{FF2B5EF4-FFF2-40B4-BE49-F238E27FC236}">
-                <a16:creationId xmlns:a16="http://schemas.microsoft.com/office/drawing/2014/main" id="{FDCF0606-5094-8C67-4E11-1D0D8F753601}"/>
-              </a:ext>
-            </a:extLst>
-          </p:cNvPr>
-          <p:cNvSpPr>
-            <a:spLocks noGrp="1"/>
-          </p:cNvSpPr>
-          <p:nvPr>
-            <p:ph idx="1"/>
-          </p:nvPr>
-        </p:nvSpPr>
-        <p:spPr>
-          <a:xfrm>
-            <a:off x="1097280" y="2137411"/>
-            <a:ext cx="10058400" cy="3672840"/>
-          </a:xfrm>
-        </p:spPr>
-        <p:txBody>
-          <a:bodyPr>
-            <a:normAutofit/>
-          </a:bodyPr>
-          <a:lstStyle/>
-          <a:p>
-            <a:pPr lvl="1"/>
-            <a:r>
-              <a:rPr lang="ja-JP" altLang="en-US" dirty="0"/>
-              <a:t>アキネイター</a:t>
-            </a:r>
-            <a:endParaRPr lang="en-US" altLang="ja-JP" dirty="0"/>
-          </a:p>
-          <a:p>
-            <a:pPr lvl="2"/>
-            <a:r>
-              <a:rPr kumimoji="1" lang="ja-JP" altLang="en-US" dirty="0"/>
-              <a:t>解説</a:t>
-            </a:r>
-            <a:endParaRPr kumimoji="1" lang="en-US" altLang="ja-JP" dirty="0"/>
-          </a:p>
-          <a:p>
-            <a:pPr lvl="2"/>
-            <a:r>
-              <a:rPr kumimoji="1" lang="ja-JP" altLang="en-US" dirty="0"/>
-              <a:t>配列 </a:t>
-            </a:r>
-            <a:r>
-              <a:rPr kumimoji="1" lang="en-US" altLang="ja-JP" dirty="0"/>
-              <a:t>(list, </a:t>
-            </a:r>
-            <a:r>
-              <a:rPr kumimoji="1" lang="en-US" altLang="ja-JP" dirty="0" err="1"/>
-              <a:t>dict</a:t>
-            </a:r>
-            <a:r>
-              <a:rPr kumimoji="1" lang="en-US" altLang="ja-JP" dirty="0"/>
-              <a:t> </a:t>
-            </a:r>
-            <a:r>
-              <a:rPr lang="en-US" altLang="ja-JP" dirty="0"/>
-              <a:t>(</a:t>
-            </a:r>
-            <a:r>
-              <a:rPr kumimoji="1" lang="en-US" altLang="ja-JP" dirty="0" err="1"/>
-              <a:t>json</a:t>
-            </a:r>
-            <a:r>
-              <a:rPr kumimoji="1" lang="en-US" altLang="ja-JP" dirty="0"/>
-              <a:t>))</a:t>
-            </a:r>
-            <a:endParaRPr lang="en-US" altLang="ja-JP" dirty="0"/>
-          </a:p>
-          <a:p>
-            <a:pPr lvl="2"/>
-            <a:r>
-              <a:rPr lang="ja-JP" altLang="en-US" dirty="0"/>
-              <a:t>ファイルパス</a:t>
-            </a:r>
-            <a:endParaRPr lang="en-US" altLang="ja-JP" dirty="0"/>
-          </a:p>
-          <a:p>
-            <a:pPr lvl="1"/>
-            <a:r>
-              <a:rPr lang="ja-JP" altLang="en-US" dirty="0"/>
-              <a:t>データの前処理</a:t>
-            </a:r>
-            <a:endParaRPr lang="en-US" altLang="ja-JP" dirty="0"/>
-          </a:p>
-          <a:p>
-            <a:pPr lvl="1"/>
-            <a:endParaRPr lang="en-US" altLang="ja-JP" dirty="0"/>
-          </a:p>
-        </p:txBody>
-      </p:sp>
-      <p:sp>
-        <p:nvSpPr>
-          <p:cNvPr id="4" name="スライド番号プレースホルダー 3">
-            <a:extLst>
-              <a:ext uri="{FF2B5EF4-FFF2-40B4-BE49-F238E27FC236}">
-                <a16:creationId xmlns:a16="http://schemas.microsoft.com/office/drawing/2014/main" id="{07A4EA22-C3A9-A15E-F34F-220C86E82F35}"/>
-              </a:ext>
-            </a:extLst>
-          </p:cNvPr>
-          <p:cNvSpPr>
-            <a:spLocks noGrp="1"/>
-          </p:cNvSpPr>
-          <p:nvPr>
-            <p:ph type="sldNum" sz="quarter" idx="12"/>
-          </p:nvPr>
-        </p:nvSpPr>
-        <p:spPr/>
-        <p:txBody>
-          <a:bodyPr/>
-          <a:lstStyle/>
-          <a:p>
-            <a:fld id="{5016889B-300C-442C-8A3E-4573D875919B}" type="slidenum">
-              <a:rPr kumimoji="1" lang="ja-JP" altLang="en-US" smtClean="0"/>
-              <a:t>2</a:t>
-            </a:fld>
-            <a:endParaRPr kumimoji="1" lang="ja-JP" altLang="en-US"/>
-          </a:p>
-        </p:txBody>
-      </p:sp>
-    </p:spTree>
-    <p:extLst>
-      <p:ext uri="{BB962C8B-B14F-4D97-AF65-F5344CB8AC3E}">
-        <p14:creationId xmlns:p14="http://schemas.microsoft.com/office/powerpoint/2010/main" val="1922518916"/>
-      </p:ext>
-    </p:extLst>
-  </p:cSld>
-  <p:clrMapOvr>
-    <a:masterClrMapping/>
-  </p:clrMapOvr>
-</p:sld>
-</file>
-
-<file path=ppt/slides/slide20.xml><?xml version="1.0" encoding="utf-8"?>
-<p:sld xmlns:a="http://schemas.openxmlformats.org/drawingml/2006/main" xmlns:r="http://schemas.openxmlformats.org/officeDocument/2006/relationships" xmlns:p="http://schemas.openxmlformats.org/presentationml/2006/main">
-  <p:cSld>
-    <p:spTree>
-      <p:nvGrpSpPr>
-        <p:cNvPr id="1" name=""/>
-        <p:cNvGrpSpPr/>
-        <p:nvPr/>
-      </p:nvGrpSpPr>
-      <p:grpSpPr>
-        <a:xfrm>
-          <a:off x="0" y="0"/>
-          <a:ext cx="0" cy="0"/>
-          <a:chOff x="0" y="0"/>
-          <a:chExt cx="0" cy="0"/>
-        </a:xfrm>
-      </p:grpSpPr>
-      <p:sp>
-        <p:nvSpPr>
-          <p:cNvPr id="2" name="タイトル 1">
-            <a:extLst>
-              <a:ext uri="{FF2B5EF4-FFF2-40B4-BE49-F238E27FC236}">
                 <a16:creationId xmlns:a16="http://schemas.microsoft.com/office/drawing/2014/main" id="{BA767711-418D-2414-761D-FD6C5DB06E12}"/>
               </a:ext>
             </a:extLst>
@@ -7248,7 +8015,7 @@
           <a:p>
             <a:fld id="{5016889B-300C-442C-8A3E-4573D875919B}" type="slidenum">
               <a:rPr kumimoji="1" lang="ja-JP" altLang="en-US" smtClean="0"/>
-              <a:t>20</a:t>
+              <a:t>22</a:t>
             </a:fld>
             <a:endParaRPr kumimoji="1" lang="ja-JP" altLang="en-US"/>
           </a:p>
@@ -7349,365 +8116,6 @@
 </p:sld>
 </file>
 
-<file path=ppt/slides/slide21.xml><?xml version="1.0" encoding="utf-8"?>
-<p:sld xmlns:a="http://schemas.openxmlformats.org/drawingml/2006/main" xmlns:r="http://schemas.openxmlformats.org/officeDocument/2006/relationships" xmlns:p="http://schemas.openxmlformats.org/presentationml/2006/main">
-  <p:cSld>
-    <p:spTree>
-      <p:nvGrpSpPr>
-        <p:cNvPr id="1" name=""/>
-        <p:cNvGrpSpPr/>
-        <p:nvPr/>
-      </p:nvGrpSpPr>
-      <p:grpSpPr>
-        <a:xfrm>
-          <a:off x="0" y="0"/>
-          <a:ext cx="0" cy="0"/>
-          <a:chOff x="0" y="0"/>
-          <a:chExt cx="0" cy="0"/>
-        </a:xfrm>
-      </p:grpSpPr>
-      <p:sp>
-        <p:nvSpPr>
-          <p:cNvPr id="2" name="タイトル 1">
-            <a:extLst>
-              <a:ext uri="{FF2B5EF4-FFF2-40B4-BE49-F238E27FC236}">
-                <a16:creationId xmlns:a16="http://schemas.microsoft.com/office/drawing/2014/main" id="{000F3A38-D7FC-2B39-6827-5837C2835010}"/>
-              </a:ext>
-            </a:extLst>
-          </p:cNvPr>
-          <p:cNvSpPr>
-            <a:spLocks noGrp="1"/>
-          </p:cNvSpPr>
-          <p:nvPr>
-            <p:ph type="title"/>
-          </p:nvPr>
-        </p:nvSpPr>
-        <p:spPr/>
-        <p:txBody>
-          <a:bodyPr/>
-          <a:lstStyle/>
-          <a:p>
-            <a:r>
-              <a:rPr kumimoji="1" lang="en-US" altLang="ja-JP" dirty="0" err="1"/>
-              <a:t>json</a:t>
-            </a:r>
-            <a:r>
-              <a:rPr kumimoji="1" lang="en-US" altLang="ja-JP" dirty="0"/>
-              <a:t> (</a:t>
-            </a:r>
-            <a:r>
-              <a:rPr lang="en-US" altLang="ja-JP" b="0" i="0" dirty="0">
-                <a:solidFill>
-                  <a:srgbClr val="202124"/>
-                </a:solidFill>
-                <a:effectLst/>
-                <a:latin typeface="Google Sans"/>
-              </a:rPr>
-              <a:t>JavaScript Object Notation)</a:t>
-            </a:r>
-            <a:endParaRPr kumimoji="1" lang="ja-JP" altLang="en-US" dirty="0"/>
-          </a:p>
-        </p:txBody>
-      </p:sp>
-      <p:sp>
-        <p:nvSpPr>
-          <p:cNvPr id="3" name="コンテンツ プレースホルダー 2">
-            <a:extLst>
-              <a:ext uri="{FF2B5EF4-FFF2-40B4-BE49-F238E27FC236}">
-                <a16:creationId xmlns:a16="http://schemas.microsoft.com/office/drawing/2014/main" id="{7B0C9B3E-2A9D-D4F3-6B15-48EFCC1164BB}"/>
-              </a:ext>
-            </a:extLst>
-          </p:cNvPr>
-          <p:cNvSpPr>
-            <a:spLocks noGrp="1"/>
-          </p:cNvSpPr>
-          <p:nvPr>
-            <p:ph idx="1"/>
-          </p:nvPr>
-        </p:nvSpPr>
-        <p:spPr/>
-        <p:txBody>
-          <a:bodyPr/>
-          <a:lstStyle/>
-          <a:p>
-            <a:r>
-              <a:rPr lang="ja-JP" altLang="en-US" b="0" i="0" dirty="0">
-                <a:solidFill>
-                  <a:srgbClr val="202124"/>
-                </a:solidFill>
-                <a:effectLst/>
-                <a:latin typeface="Google Sans"/>
-              </a:rPr>
-              <a:t>人間にとって読み書きが容易で、マシンにとっても簡単に解析や生成を行なえる形式</a:t>
-            </a:r>
-            <a:endParaRPr lang="en-US" altLang="ja-JP" b="0" i="0" dirty="0">
-              <a:solidFill>
-                <a:srgbClr val="202124"/>
-              </a:solidFill>
-              <a:effectLst/>
-              <a:latin typeface="Google Sans"/>
-            </a:endParaRPr>
-          </a:p>
-          <a:p>
-            <a:r>
-              <a:rPr lang="ja-JP" altLang="en-US" b="0" i="0" dirty="0">
-                <a:solidFill>
-                  <a:srgbClr val="4D5156"/>
-                </a:solidFill>
-                <a:effectLst/>
-                <a:latin typeface="arial" panose="020B0604020202020204" pitchFamily="34" charset="0"/>
-              </a:rPr>
-              <a:t>軽量なテキストベースのデータ交換用フォーマットで</a:t>
-            </a:r>
-            <a:r>
-              <a:rPr lang="ja-JP" altLang="en-US" dirty="0">
-                <a:solidFill>
-                  <a:srgbClr val="4D5156"/>
-                </a:solidFill>
-                <a:latin typeface="arial" panose="020B0604020202020204" pitchFamily="34" charset="0"/>
-              </a:rPr>
-              <a:t>、</a:t>
-            </a:r>
-            <a:r>
-              <a:rPr lang="ja-JP" altLang="en-US" b="0" i="0" dirty="0">
-                <a:solidFill>
-                  <a:srgbClr val="4D5156"/>
-                </a:solidFill>
-                <a:effectLst/>
-                <a:latin typeface="arial" panose="020B0604020202020204" pitchFamily="34" charset="0"/>
-              </a:rPr>
-              <a:t>プログラミング言語を問わず利用できる</a:t>
-            </a:r>
-            <a:endParaRPr kumimoji="1" lang="ja-JP" altLang="en-US" dirty="0"/>
-          </a:p>
-        </p:txBody>
-      </p:sp>
-      <p:sp>
-        <p:nvSpPr>
-          <p:cNvPr id="4" name="スライド番号プレースホルダー 3">
-            <a:extLst>
-              <a:ext uri="{FF2B5EF4-FFF2-40B4-BE49-F238E27FC236}">
-                <a16:creationId xmlns:a16="http://schemas.microsoft.com/office/drawing/2014/main" id="{315ABC6C-539D-F6C1-A421-26E86A7C27A5}"/>
-              </a:ext>
-            </a:extLst>
-          </p:cNvPr>
-          <p:cNvSpPr>
-            <a:spLocks noGrp="1"/>
-          </p:cNvSpPr>
-          <p:nvPr>
-            <p:ph type="sldNum" sz="quarter" idx="12"/>
-          </p:nvPr>
-        </p:nvSpPr>
-        <p:spPr/>
-        <p:txBody>
-          <a:bodyPr/>
-          <a:lstStyle/>
-          <a:p>
-            <a:fld id="{5016889B-300C-442C-8A3E-4573D875919B}" type="slidenum">
-              <a:rPr kumimoji="1" lang="ja-JP" altLang="en-US" smtClean="0"/>
-              <a:t>21</a:t>
-            </a:fld>
-            <a:endParaRPr kumimoji="1" lang="ja-JP" altLang="en-US"/>
-          </a:p>
-        </p:txBody>
-      </p:sp>
-    </p:spTree>
-    <p:extLst>
-      <p:ext uri="{BB962C8B-B14F-4D97-AF65-F5344CB8AC3E}">
-        <p14:creationId xmlns:p14="http://schemas.microsoft.com/office/powerpoint/2010/main" val="1238787621"/>
-      </p:ext>
-    </p:extLst>
-  </p:cSld>
-  <p:clrMapOvr>
-    <a:masterClrMapping/>
-  </p:clrMapOvr>
-</p:sld>
-</file>
-
-<file path=ppt/slides/slide22.xml><?xml version="1.0" encoding="utf-8"?>
-<p:sld xmlns:a="http://schemas.openxmlformats.org/drawingml/2006/main" xmlns:r="http://schemas.openxmlformats.org/officeDocument/2006/relationships" xmlns:p="http://schemas.openxmlformats.org/presentationml/2006/main">
-  <p:cSld>
-    <p:spTree>
-      <p:nvGrpSpPr>
-        <p:cNvPr id="1" name=""/>
-        <p:cNvGrpSpPr/>
-        <p:nvPr/>
-      </p:nvGrpSpPr>
-      <p:grpSpPr>
-        <a:xfrm>
-          <a:off x="0" y="0"/>
-          <a:ext cx="0" cy="0"/>
-          <a:chOff x="0" y="0"/>
-          <a:chExt cx="0" cy="0"/>
-        </a:xfrm>
-      </p:grpSpPr>
-      <p:sp>
-        <p:nvSpPr>
-          <p:cNvPr id="2" name="タイトル 1">
-            <a:extLst>
-              <a:ext uri="{FF2B5EF4-FFF2-40B4-BE49-F238E27FC236}">
-                <a16:creationId xmlns:a16="http://schemas.microsoft.com/office/drawing/2014/main" id="{8413C3D0-4FF4-3A02-2A89-31E4C25CEFEC}"/>
-              </a:ext>
-            </a:extLst>
-          </p:cNvPr>
-          <p:cNvSpPr>
-            <a:spLocks noGrp="1"/>
-          </p:cNvSpPr>
-          <p:nvPr>
-            <p:ph type="title"/>
-          </p:nvPr>
-        </p:nvSpPr>
-        <p:spPr/>
-        <p:txBody>
-          <a:bodyPr/>
-          <a:lstStyle/>
-          <a:p>
-            <a:r>
-              <a:rPr kumimoji="1" lang="en-US" altLang="ja-JP" dirty="0"/>
-              <a:t>CSV (</a:t>
-            </a:r>
-            <a:r>
-              <a:rPr lang="en-US" altLang="ja-JP" b="0" i="0" dirty="0">
-                <a:solidFill>
-                  <a:srgbClr val="4D5156"/>
-                </a:solidFill>
-                <a:effectLst/>
-                <a:latin typeface="arial" panose="020B0604020202020204" pitchFamily="34" charset="0"/>
-              </a:rPr>
-              <a:t>Comma Separated Values</a:t>
-            </a:r>
-            <a:r>
-              <a:rPr kumimoji="1" lang="en-US" altLang="ja-JP" dirty="0"/>
-              <a:t>)</a:t>
-            </a:r>
-            <a:endParaRPr kumimoji="1" lang="ja-JP" altLang="en-US" dirty="0"/>
-          </a:p>
-        </p:txBody>
-      </p:sp>
-      <p:sp>
-        <p:nvSpPr>
-          <p:cNvPr id="3" name="コンテンツ プレースホルダー 2">
-            <a:extLst>
-              <a:ext uri="{FF2B5EF4-FFF2-40B4-BE49-F238E27FC236}">
-                <a16:creationId xmlns:a16="http://schemas.microsoft.com/office/drawing/2014/main" id="{F5581ED6-AB3D-A13C-4872-5E61A07C7A35}"/>
-              </a:ext>
-            </a:extLst>
-          </p:cNvPr>
-          <p:cNvSpPr>
-            <a:spLocks noGrp="1"/>
-          </p:cNvSpPr>
-          <p:nvPr>
-            <p:ph idx="1"/>
-          </p:nvPr>
-        </p:nvSpPr>
-        <p:spPr>
-          <a:xfrm>
-            <a:off x="1097280" y="1845734"/>
-            <a:ext cx="10404438" cy="4023360"/>
-          </a:xfrm>
-        </p:spPr>
-        <p:txBody>
-          <a:bodyPr/>
-          <a:lstStyle/>
-          <a:p>
-            <a:r>
-              <a:rPr lang="ja-JP" altLang="en-US" b="0" i="0" dirty="0">
-                <a:solidFill>
-                  <a:srgbClr val="040C28"/>
-                </a:solidFill>
-                <a:effectLst/>
-                <a:latin typeface="Google Sans"/>
-              </a:rPr>
-              <a:t>値や項目をカンマ（</a:t>
-            </a:r>
-            <a:r>
-              <a:rPr lang="en-US" altLang="ja-JP" b="0" i="0" dirty="0">
-                <a:solidFill>
-                  <a:srgbClr val="040C28"/>
-                </a:solidFill>
-                <a:effectLst/>
-                <a:latin typeface="Google Sans"/>
-              </a:rPr>
-              <a:t>,</a:t>
-            </a:r>
-            <a:r>
-              <a:rPr lang="ja-JP" altLang="en-US" b="0" i="0" dirty="0">
-                <a:solidFill>
-                  <a:srgbClr val="040C28"/>
-                </a:solidFill>
-                <a:effectLst/>
-                <a:latin typeface="Google Sans"/>
-              </a:rPr>
-              <a:t>）で区切って書いたテキストファイル・データのこと</a:t>
-            </a:r>
-            <a:endParaRPr kumimoji="1" lang="en-US" altLang="ja-JP" dirty="0"/>
-          </a:p>
-          <a:p>
-            <a:r>
-              <a:rPr kumimoji="1" lang="ja-JP" altLang="en-US" dirty="0"/>
-              <a:t>メリット</a:t>
-            </a:r>
-            <a:endParaRPr kumimoji="1" lang="en-US" altLang="ja-JP" dirty="0"/>
-          </a:p>
-          <a:p>
-            <a:pPr lvl="1"/>
-            <a:r>
-              <a:rPr lang="ja-JP" altLang="en-US" dirty="0"/>
-              <a:t>互換性</a:t>
-            </a:r>
-            <a:endParaRPr lang="en-US" altLang="ja-JP" dirty="0"/>
-          </a:p>
-          <a:p>
-            <a:pPr lvl="1"/>
-            <a:r>
-              <a:rPr kumimoji="1" lang="ja-JP" altLang="en-US" dirty="0"/>
-              <a:t>容量の軽さ</a:t>
-            </a:r>
-          </a:p>
-        </p:txBody>
-      </p:sp>
-      <p:sp>
-        <p:nvSpPr>
-          <p:cNvPr id="4" name="スライド番号プレースホルダー 3">
-            <a:extLst>
-              <a:ext uri="{FF2B5EF4-FFF2-40B4-BE49-F238E27FC236}">
-                <a16:creationId xmlns:a16="http://schemas.microsoft.com/office/drawing/2014/main" id="{E6B8819B-2855-0E48-8049-BC4048245071}"/>
-              </a:ext>
-            </a:extLst>
-          </p:cNvPr>
-          <p:cNvSpPr>
-            <a:spLocks noGrp="1"/>
-          </p:cNvSpPr>
-          <p:nvPr>
-            <p:ph type="sldNum" sz="quarter" idx="12"/>
-          </p:nvPr>
-        </p:nvSpPr>
-        <p:spPr/>
-        <p:txBody>
-          <a:bodyPr/>
-          <a:lstStyle/>
-          <a:p>
-            <a:fld id="{5016889B-300C-442C-8A3E-4573D875919B}" type="slidenum">
-              <a:rPr kumimoji="1" lang="ja-JP" altLang="en-US" smtClean="0"/>
-              <a:t>22</a:t>
-            </a:fld>
-            <a:endParaRPr kumimoji="1" lang="ja-JP" altLang="en-US"/>
-          </a:p>
-        </p:txBody>
-      </p:sp>
-    </p:spTree>
-    <p:extLst>
-      <p:ext uri="{BB962C8B-B14F-4D97-AF65-F5344CB8AC3E}">
-        <p14:creationId xmlns:p14="http://schemas.microsoft.com/office/powerpoint/2010/main" val="1848313078"/>
-      </p:ext>
-    </p:extLst>
-  </p:cSld>
-  <p:clrMapOvr>
-    <a:masterClrMapping/>
-  </p:clrMapOvr>
-</p:sld>
-</file>
-
 <file path=ppt/slides/slide23.xml><?xml version="1.0" encoding="utf-8"?>
 <p:sld xmlns:a="http://schemas.openxmlformats.org/drawingml/2006/main" xmlns:r="http://schemas.openxmlformats.org/officeDocument/2006/relationships" xmlns:p="http://schemas.openxmlformats.org/presentationml/2006/main">
   <p:cSld>
@@ -7730,7 +8138,7 @@
           <p:cNvPr id="2" name="タイトル 1">
             <a:extLst>
               <a:ext uri="{FF2B5EF4-FFF2-40B4-BE49-F238E27FC236}">
-                <a16:creationId xmlns:a16="http://schemas.microsoft.com/office/drawing/2014/main" id="{373F007E-8678-6C40-DE23-9753B869C377}"/>
+                <a16:creationId xmlns:a16="http://schemas.microsoft.com/office/drawing/2014/main" id="{000F3A38-D7FC-2B39-6827-5837C2835010}"/>
               </a:ext>
             </a:extLst>
           </p:cNvPr>
@@ -7747,9 +8155,24 @@
           <a:lstStyle/>
           <a:p>
             <a:r>
-              <a:rPr kumimoji="1" lang="ja-JP" altLang="en-US" dirty="0"/>
-              <a:t>目次</a:t>
-            </a:r>
+              <a:rPr kumimoji="1" lang="en-US" altLang="ja-JP" dirty="0" err="1"/>
+              <a:t>json</a:t>
+            </a:r>
+            <a:r>
+              <a:rPr kumimoji="1" lang="en-US" altLang="ja-JP" dirty="0"/>
+              <a:t> (</a:t>
+            </a:r>
+            <a:r>
+              <a:rPr lang="en-US" altLang="ja-JP" i="0" dirty="0">
+                <a:solidFill>
+                  <a:srgbClr val="202124"/>
+                </a:solidFill>
+                <a:effectLst/>
+                <a:latin typeface="Google Sans"/>
+              </a:rPr>
+              <a:t>JavaScript Object Notation)</a:t>
+            </a:r>
+            <a:endParaRPr kumimoji="1" lang="ja-JP" altLang="en-US" dirty="0"/>
           </a:p>
         </p:txBody>
       </p:sp>
@@ -7758,7 +8181,7 @@
           <p:cNvPr id="3" name="コンテンツ プレースホルダー 2">
             <a:extLst>
               <a:ext uri="{FF2B5EF4-FFF2-40B4-BE49-F238E27FC236}">
-                <a16:creationId xmlns:a16="http://schemas.microsoft.com/office/drawing/2014/main" id="{BA8D9318-698F-04CF-6982-4790F8710A46}"/>
+                <a16:creationId xmlns:a16="http://schemas.microsoft.com/office/drawing/2014/main" id="{7B0C9B3E-2A9D-D4F3-6B15-48EFCC1164BB}"/>
               </a:ext>
             </a:extLst>
           </p:cNvPr>
@@ -7774,40 +8197,55 @@
           <a:bodyPr/>
           <a:lstStyle/>
           <a:p>
-            <a:pPr marL="457200" indent="-457200">
-              <a:buFont typeface="+mj-lt"/>
-              <a:buAutoNum type="arabicPeriod"/>
-            </a:pPr>
-            <a:r>
-              <a:rPr kumimoji="1" lang="ja-JP" altLang="en-US" dirty="0"/>
-              <a:t>アキネイター</a:t>
-            </a:r>
-            <a:endParaRPr kumimoji="1" lang="en-US" altLang="ja-JP" dirty="0"/>
-          </a:p>
-          <a:p>
-            <a:pPr marL="457200" indent="-457200">
-              <a:buFont typeface="+mj-lt"/>
-              <a:buAutoNum type="arabicPeriod"/>
-            </a:pPr>
-            <a:r>
-              <a:rPr lang="en-US" altLang="ja-JP" dirty="0"/>
-              <a:t>Web</a:t>
-            </a:r>
-            <a:r>
-              <a:rPr lang="ja-JP" altLang="en-US" dirty="0"/>
-              <a:t>サイト</a:t>
-            </a:r>
-            <a:endParaRPr lang="en-US" altLang="ja-JP" dirty="0"/>
-          </a:p>
-          <a:p>
-            <a:pPr marL="457200" indent="-457200">
-              <a:buFont typeface="+mj-lt"/>
-              <a:buAutoNum type="arabicPeriod"/>
-            </a:pPr>
-            <a:r>
-              <a:rPr kumimoji="1" lang="ja-JP" altLang="en-US" dirty="0"/>
-              <a:t>サーバー</a:t>
-            </a:r>
+            <a:r>
+              <a:rPr lang="ja-JP" altLang="en-US" b="0" i="0" dirty="0">
+                <a:solidFill>
+                  <a:srgbClr val="202124"/>
+                </a:solidFill>
+                <a:effectLst/>
+                <a:latin typeface="Google Sans"/>
+              </a:rPr>
+              <a:t>人間にとって読み書きが容易で、マシンにとっても簡単に解析や生成を行なえる形式</a:t>
+            </a:r>
+            <a:endParaRPr lang="en-US" altLang="ja-JP" b="0" i="0" dirty="0">
+              <a:solidFill>
+                <a:srgbClr val="202124"/>
+              </a:solidFill>
+              <a:effectLst/>
+              <a:latin typeface="Google Sans"/>
+            </a:endParaRPr>
+          </a:p>
+          <a:p>
+            <a:r>
+              <a:rPr lang="ja-JP" altLang="en-US" b="0" i="0" dirty="0">
+                <a:solidFill>
+                  <a:srgbClr val="4D5156"/>
+                </a:solidFill>
+                <a:effectLst/>
+                <a:latin typeface="arial" panose="020B0604020202020204" pitchFamily="34" charset="0"/>
+              </a:rPr>
+              <a:t>軽量なテキストベースのデータ交換用フォーマットで</a:t>
+            </a:r>
+            <a:r>
+              <a:rPr lang="ja-JP" altLang="en-US" dirty="0">
+                <a:solidFill>
+                  <a:srgbClr val="4D5156"/>
+                </a:solidFill>
+                <a:latin typeface="arial" panose="020B0604020202020204" pitchFamily="34" charset="0"/>
+              </a:rPr>
+              <a:t>、</a:t>
+            </a:r>
+            <a:r>
+              <a:rPr lang="ja-JP" altLang="en-US" b="0" i="0" dirty="0">
+                <a:solidFill>
+                  <a:srgbClr val="4D5156"/>
+                </a:solidFill>
+                <a:effectLst/>
+                <a:latin typeface="arial" panose="020B0604020202020204" pitchFamily="34" charset="0"/>
+              </a:rPr>
+              <a:t>プログラミング言語を問わず利用できる</a:t>
+            </a:r>
+            <a:endParaRPr kumimoji="1" lang="ja-JP" altLang="en-US" dirty="0"/>
           </a:p>
         </p:txBody>
       </p:sp>
@@ -7816,7 +8254,7 @@
           <p:cNvPr id="4" name="スライド番号プレースホルダー 3">
             <a:extLst>
               <a:ext uri="{FF2B5EF4-FFF2-40B4-BE49-F238E27FC236}">
-                <a16:creationId xmlns:a16="http://schemas.microsoft.com/office/drawing/2014/main" id="{3C37E440-B2BF-F0C2-B5AB-B5791BF2FD6C}"/>
+                <a16:creationId xmlns:a16="http://schemas.microsoft.com/office/drawing/2014/main" id="{315ABC6C-539D-F6C1-A421-26E86A7C27A5}"/>
               </a:ext>
             </a:extLst>
           </p:cNvPr>
@@ -7843,7 +8281,7 @@
     </p:spTree>
     <p:extLst>
       <p:ext uri="{BB962C8B-B14F-4D97-AF65-F5344CB8AC3E}">
-        <p14:creationId xmlns:p14="http://schemas.microsoft.com/office/powerpoint/2010/main" val="295148909"/>
+        <p14:creationId xmlns:p14="http://schemas.microsoft.com/office/powerpoint/2010/main" val="1238787621"/>
       </p:ext>
     </p:extLst>
   </p:cSld>
@@ -7875,6 +8313,363 @@
           <p:cNvPr id="2" name="タイトル 1">
             <a:extLst>
               <a:ext uri="{FF2B5EF4-FFF2-40B4-BE49-F238E27FC236}">
+                <a16:creationId xmlns:a16="http://schemas.microsoft.com/office/drawing/2014/main" id="{8413C3D0-4FF4-3A02-2A89-31E4C25CEFEC}"/>
+              </a:ext>
+            </a:extLst>
+          </p:cNvPr>
+          <p:cNvSpPr>
+            <a:spLocks noGrp="1"/>
+          </p:cNvSpPr>
+          <p:nvPr>
+            <p:ph type="title"/>
+          </p:nvPr>
+        </p:nvSpPr>
+        <p:spPr/>
+        <p:txBody>
+          <a:bodyPr/>
+          <a:lstStyle/>
+          <a:p>
+            <a:r>
+              <a:rPr kumimoji="1" lang="en-US" altLang="ja-JP" dirty="0"/>
+              <a:t>CSV (</a:t>
+            </a:r>
+            <a:r>
+              <a:rPr lang="en-US" altLang="ja-JP" i="0" dirty="0">
+                <a:solidFill>
+                  <a:srgbClr val="4D5156"/>
+                </a:solidFill>
+                <a:effectLst/>
+                <a:latin typeface="arial" panose="020B0604020202020204" pitchFamily="34" charset="0"/>
+              </a:rPr>
+              <a:t>Comma Separated Values</a:t>
+            </a:r>
+            <a:r>
+              <a:rPr kumimoji="1" lang="en-US" altLang="ja-JP" dirty="0"/>
+              <a:t>)</a:t>
+            </a:r>
+            <a:endParaRPr kumimoji="1" lang="ja-JP" altLang="en-US" dirty="0"/>
+          </a:p>
+        </p:txBody>
+      </p:sp>
+      <p:sp>
+        <p:nvSpPr>
+          <p:cNvPr id="3" name="コンテンツ プレースホルダー 2">
+            <a:extLst>
+              <a:ext uri="{FF2B5EF4-FFF2-40B4-BE49-F238E27FC236}">
+                <a16:creationId xmlns:a16="http://schemas.microsoft.com/office/drawing/2014/main" id="{F5581ED6-AB3D-A13C-4872-5E61A07C7A35}"/>
+              </a:ext>
+            </a:extLst>
+          </p:cNvPr>
+          <p:cNvSpPr>
+            <a:spLocks noGrp="1"/>
+          </p:cNvSpPr>
+          <p:nvPr>
+            <p:ph idx="1"/>
+          </p:nvPr>
+        </p:nvSpPr>
+        <p:spPr>
+          <a:xfrm>
+            <a:off x="1097280" y="1845734"/>
+            <a:ext cx="10404438" cy="4023360"/>
+          </a:xfrm>
+        </p:spPr>
+        <p:txBody>
+          <a:bodyPr/>
+          <a:lstStyle/>
+          <a:p>
+            <a:r>
+              <a:rPr lang="ja-JP" altLang="en-US" b="0" i="0" dirty="0">
+                <a:solidFill>
+                  <a:srgbClr val="040C28"/>
+                </a:solidFill>
+                <a:effectLst/>
+                <a:latin typeface="Google Sans"/>
+              </a:rPr>
+              <a:t>値や項目をカンマ（</a:t>
+            </a:r>
+            <a:r>
+              <a:rPr lang="en-US" altLang="ja-JP" b="0" i="0" dirty="0">
+                <a:solidFill>
+                  <a:srgbClr val="040C28"/>
+                </a:solidFill>
+                <a:effectLst/>
+                <a:latin typeface="Google Sans"/>
+              </a:rPr>
+              <a:t>,</a:t>
+            </a:r>
+            <a:r>
+              <a:rPr lang="ja-JP" altLang="en-US" b="0" i="0" dirty="0">
+                <a:solidFill>
+                  <a:srgbClr val="040C28"/>
+                </a:solidFill>
+                <a:effectLst/>
+                <a:latin typeface="Google Sans"/>
+              </a:rPr>
+              <a:t>）で区切って書いたテキストファイル・データのこと</a:t>
+            </a:r>
+            <a:endParaRPr kumimoji="1" lang="en-US" altLang="ja-JP" dirty="0"/>
+          </a:p>
+          <a:p>
+            <a:r>
+              <a:rPr kumimoji="1" lang="ja-JP" altLang="en-US" dirty="0"/>
+              <a:t>メリット</a:t>
+            </a:r>
+            <a:endParaRPr kumimoji="1" lang="en-US" altLang="ja-JP" dirty="0"/>
+          </a:p>
+          <a:p>
+            <a:pPr lvl="1"/>
+            <a:r>
+              <a:rPr lang="ja-JP" altLang="en-US" dirty="0"/>
+              <a:t>互換性</a:t>
+            </a:r>
+            <a:endParaRPr lang="en-US" altLang="ja-JP" dirty="0"/>
+          </a:p>
+          <a:p>
+            <a:pPr lvl="1"/>
+            <a:r>
+              <a:rPr kumimoji="1" lang="ja-JP" altLang="en-US" dirty="0"/>
+              <a:t>容量の軽さ</a:t>
+            </a:r>
+          </a:p>
+        </p:txBody>
+      </p:sp>
+      <p:sp>
+        <p:nvSpPr>
+          <p:cNvPr id="4" name="スライド番号プレースホルダー 3">
+            <a:extLst>
+              <a:ext uri="{FF2B5EF4-FFF2-40B4-BE49-F238E27FC236}">
+                <a16:creationId xmlns:a16="http://schemas.microsoft.com/office/drawing/2014/main" id="{E6B8819B-2855-0E48-8049-BC4048245071}"/>
+              </a:ext>
+            </a:extLst>
+          </p:cNvPr>
+          <p:cNvSpPr>
+            <a:spLocks noGrp="1"/>
+          </p:cNvSpPr>
+          <p:nvPr>
+            <p:ph type="sldNum" sz="quarter" idx="12"/>
+          </p:nvPr>
+        </p:nvSpPr>
+        <p:spPr/>
+        <p:txBody>
+          <a:bodyPr/>
+          <a:lstStyle/>
+          <a:p>
+            <a:fld id="{5016889B-300C-442C-8A3E-4573D875919B}" type="slidenum">
+              <a:rPr kumimoji="1" lang="ja-JP" altLang="en-US" smtClean="0"/>
+              <a:t>24</a:t>
+            </a:fld>
+            <a:endParaRPr kumimoji="1" lang="ja-JP" altLang="en-US"/>
+          </a:p>
+        </p:txBody>
+      </p:sp>
+    </p:spTree>
+    <p:extLst>
+      <p:ext uri="{BB962C8B-B14F-4D97-AF65-F5344CB8AC3E}">
+        <p14:creationId xmlns:p14="http://schemas.microsoft.com/office/powerpoint/2010/main" val="1848313078"/>
+      </p:ext>
+    </p:extLst>
+  </p:cSld>
+  <p:clrMapOvr>
+    <a:masterClrMapping/>
+  </p:clrMapOvr>
+</p:sld>
+</file>
+
+<file path=ppt/slides/slide25.xml><?xml version="1.0" encoding="utf-8"?>
+<p:sld xmlns:a="http://schemas.openxmlformats.org/drawingml/2006/main" xmlns:r="http://schemas.openxmlformats.org/officeDocument/2006/relationships" xmlns:p="http://schemas.openxmlformats.org/presentationml/2006/main">
+  <p:cSld>
+    <p:spTree>
+      <p:nvGrpSpPr>
+        <p:cNvPr id="1" name=""/>
+        <p:cNvGrpSpPr/>
+        <p:nvPr/>
+      </p:nvGrpSpPr>
+      <p:grpSpPr>
+        <a:xfrm>
+          <a:off x="0" y="0"/>
+          <a:ext cx="0" cy="0"/>
+          <a:chOff x="0" y="0"/>
+          <a:chExt cx="0" cy="0"/>
+        </a:xfrm>
+      </p:grpSpPr>
+      <p:sp>
+        <p:nvSpPr>
+          <p:cNvPr id="2" name="タイトル 1">
+            <a:extLst>
+              <a:ext uri="{FF2B5EF4-FFF2-40B4-BE49-F238E27FC236}">
+                <a16:creationId xmlns:a16="http://schemas.microsoft.com/office/drawing/2014/main" id="{373F007E-8678-6C40-DE23-9753B869C377}"/>
+              </a:ext>
+            </a:extLst>
+          </p:cNvPr>
+          <p:cNvSpPr>
+            <a:spLocks noGrp="1"/>
+          </p:cNvSpPr>
+          <p:nvPr>
+            <p:ph type="title"/>
+          </p:nvPr>
+        </p:nvSpPr>
+        <p:spPr/>
+        <p:txBody>
+          <a:bodyPr/>
+          <a:lstStyle/>
+          <a:p>
+            <a:r>
+              <a:rPr kumimoji="1" lang="ja-JP" altLang="en-US" dirty="0"/>
+              <a:t>目次</a:t>
+            </a:r>
+          </a:p>
+        </p:txBody>
+      </p:sp>
+      <p:sp>
+        <p:nvSpPr>
+          <p:cNvPr id="3" name="コンテンツ プレースホルダー 2">
+            <a:extLst>
+              <a:ext uri="{FF2B5EF4-FFF2-40B4-BE49-F238E27FC236}">
+                <a16:creationId xmlns:a16="http://schemas.microsoft.com/office/drawing/2014/main" id="{BA8D9318-698F-04CF-6982-4790F8710A46}"/>
+              </a:ext>
+            </a:extLst>
+          </p:cNvPr>
+          <p:cNvSpPr>
+            <a:spLocks noGrp="1"/>
+          </p:cNvSpPr>
+          <p:nvPr>
+            <p:ph idx="1"/>
+          </p:nvPr>
+        </p:nvSpPr>
+        <p:spPr/>
+        <p:txBody>
+          <a:bodyPr/>
+          <a:lstStyle/>
+          <a:p>
+            <a:pPr marL="457200" indent="-457200">
+              <a:buFont typeface="+mj-lt"/>
+              <a:buAutoNum type="arabicPeriod"/>
+            </a:pPr>
+            <a:r>
+              <a:rPr kumimoji="1" lang="en-US" altLang="ja-JP" dirty="0"/>
+              <a:t>PC</a:t>
+            </a:r>
+            <a:r>
+              <a:rPr kumimoji="1" lang="ja-JP" altLang="en-US" dirty="0"/>
+              <a:t>環境</a:t>
+            </a:r>
+            <a:endParaRPr kumimoji="1" lang="en-US" altLang="ja-JP" dirty="0"/>
+          </a:p>
+          <a:p>
+            <a:pPr marL="457200" indent="-457200">
+              <a:buFont typeface="+mj-lt"/>
+              <a:buAutoNum type="arabicPeriod"/>
+            </a:pPr>
+            <a:r>
+              <a:rPr kumimoji="1" lang="ja-JP" altLang="en-US" dirty="0"/>
+              <a:t>アキネイター</a:t>
+            </a:r>
+            <a:endParaRPr kumimoji="1" lang="en-US" altLang="ja-JP" dirty="0"/>
+          </a:p>
+          <a:p>
+            <a:pPr marL="457200" indent="-457200">
+              <a:buFont typeface="+mj-lt"/>
+              <a:buAutoNum type="arabicPeriod"/>
+            </a:pPr>
+            <a:r>
+              <a:rPr lang="ja-JP" altLang="en-US" dirty="0"/>
+              <a:t>各種ファイル</a:t>
+            </a:r>
+            <a:endParaRPr kumimoji="1" lang="en-US" altLang="ja-JP" dirty="0"/>
+          </a:p>
+          <a:p>
+            <a:pPr marL="457200" indent="-457200">
+              <a:buFont typeface="+mj-lt"/>
+              <a:buAutoNum type="arabicPeriod"/>
+            </a:pPr>
+            <a:r>
+              <a:rPr lang="en-US" altLang="ja-JP" dirty="0">
+                <a:solidFill>
+                  <a:srgbClr val="C00000"/>
+                </a:solidFill>
+              </a:rPr>
+              <a:t>Web</a:t>
+            </a:r>
+            <a:r>
+              <a:rPr lang="ja-JP" altLang="en-US" dirty="0">
+                <a:solidFill>
+                  <a:srgbClr val="C00000"/>
+                </a:solidFill>
+              </a:rPr>
+              <a:t>サーバー</a:t>
+            </a:r>
+            <a:endParaRPr kumimoji="1" lang="ja-JP" altLang="en-US" dirty="0">
+              <a:solidFill>
+                <a:srgbClr val="C00000"/>
+              </a:solidFill>
+            </a:endParaRPr>
+          </a:p>
+        </p:txBody>
+      </p:sp>
+      <p:sp>
+        <p:nvSpPr>
+          <p:cNvPr id="4" name="スライド番号プレースホルダー 3">
+            <a:extLst>
+              <a:ext uri="{FF2B5EF4-FFF2-40B4-BE49-F238E27FC236}">
+                <a16:creationId xmlns:a16="http://schemas.microsoft.com/office/drawing/2014/main" id="{3C37E440-B2BF-F0C2-B5AB-B5791BF2FD6C}"/>
+              </a:ext>
+            </a:extLst>
+          </p:cNvPr>
+          <p:cNvSpPr>
+            <a:spLocks noGrp="1"/>
+          </p:cNvSpPr>
+          <p:nvPr>
+            <p:ph type="sldNum" sz="quarter" idx="12"/>
+          </p:nvPr>
+        </p:nvSpPr>
+        <p:spPr/>
+        <p:txBody>
+          <a:bodyPr/>
+          <a:lstStyle/>
+          <a:p>
+            <a:fld id="{5016889B-300C-442C-8A3E-4573D875919B}" type="slidenum">
+              <a:rPr kumimoji="1" lang="ja-JP" altLang="en-US" smtClean="0"/>
+              <a:t>25</a:t>
+            </a:fld>
+            <a:endParaRPr kumimoji="1" lang="ja-JP" altLang="en-US"/>
+          </a:p>
+        </p:txBody>
+      </p:sp>
+    </p:spTree>
+    <p:extLst>
+      <p:ext uri="{BB962C8B-B14F-4D97-AF65-F5344CB8AC3E}">
+        <p14:creationId xmlns:p14="http://schemas.microsoft.com/office/powerpoint/2010/main" val="1646303988"/>
+      </p:ext>
+    </p:extLst>
+  </p:cSld>
+  <p:clrMapOvr>
+    <a:masterClrMapping/>
+  </p:clrMapOvr>
+</p:sld>
+</file>
+
+<file path=ppt/slides/slide26.xml><?xml version="1.0" encoding="utf-8"?>
+<p:sld xmlns:a="http://schemas.openxmlformats.org/drawingml/2006/main" xmlns:r="http://schemas.openxmlformats.org/officeDocument/2006/relationships" xmlns:p="http://schemas.openxmlformats.org/presentationml/2006/main">
+  <p:cSld>
+    <p:spTree>
+      <p:nvGrpSpPr>
+        <p:cNvPr id="1" name=""/>
+        <p:cNvGrpSpPr/>
+        <p:nvPr/>
+      </p:nvGrpSpPr>
+      <p:grpSpPr>
+        <a:xfrm>
+          <a:off x="0" y="0"/>
+          <a:ext cx="0" cy="0"/>
+          <a:chOff x="0" y="0"/>
+          <a:chExt cx="0" cy="0"/>
+        </a:xfrm>
+      </p:grpSpPr>
+      <p:sp>
+        <p:nvSpPr>
+          <p:cNvPr id="2" name="タイトル 1">
+            <a:extLst>
+              <a:ext uri="{FF2B5EF4-FFF2-40B4-BE49-F238E27FC236}">
                 <a16:creationId xmlns:a16="http://schemas.microsoft.com/office/drawing/2014/main" id="{87E66B75-1C17-21C1-3611-10FB3E95A3AA}"/>
               </a:ext>
             </a:extLst>
@@ -8060,7 +8855,7 @@
           <a:p>
             <a:fld id="{5016889B-300C-442C-8A3E-4573D875919B}" type="slidenum">
               <a:rPr kumimoji="1" lang="ja-JP" altLang="en-US" smtClean="0"/>
-              <a:t>24</a:t>
+              <a:t>26</a:t>
             </a:fld>
             <a:endParaRPr kumimoji="1" lang="ja-JP" altLang="en-US"/>
           </a:p>
@@ -8079,7 +8874,7 @@
 </p:sld>
 </file>
 
-<file path=ppt/slides/slide25.xml><?xml version="1.0" encoding="utf-8"?>
+<file path=ppt/slides/slide27.xml><?xml version="1.0" encoding="utf-8"?>
 <p:sld xmlns:a="http://schemas.openxmlformats.org/drawingml/2006/main" xmlns:r="http://schemas.openxmlformats.org/officeDocument/2006/relationships" xmlns:p="http://schemas.openxmlformats.org/presentationml/2006/main">
   <p:cSld>
     <p:spTree>
@@ -8251,7 +9046,7 @@
           <a:p>
             <a:fld id="{5016889B-300C-442C-8A3E-4573D875919B}" type="slidenum">
               <a:rPr kumimoji="1" lang="ja-JP" altLang="en-US" smtClean="0"/>
-              <a:t>25</a:t>
+              <a:t>27</a:t>
             </a:fld>
             <a:endParaRPr kumimoji="1" lang="ja-JP" altLang="en-US"/>
           </a:p>
@@ -8832,7 +9627,7 @@
 </p:sld>
 </file>
 
-<file path=ppt/slides/slide26.xml><?xml version="1.0" encoding="utf-8"?>
+<file path=ppt/slides/slide28.xml><?xml version="1.0" encoding="utf-8"?>
 <p:sld xmlns:a="http://schemas.openxmlformats.org/drawingml/2006/main" xmlns:r="http://schemas.openxmlformats.org/officeDocument/2006/relationships" xmlns:p="http://schemas.openxmlformats.org/presentationml/2006/main">
   <p:cSld>
     <p:spTree>
@@ -9019,7 +9814,7 @@
           <a:p>
             <a:fld id="{5016889B-300C-442C-8A3E-4573D875919B}" type="slidenum">
               <a:rPr kumimoji="1" lang="ja-JP" altLang="en-US" smtClean="0"/>
-              <a:t>26</a:t>
+              <a:t>28</a:t>
             </a:fld>
             <a:endParaRPr kumimoji="1" lang="ja-JP" altLang="en-US"/>
           </a:p>
@@ -9038,7 +9833,7 @@
 </p:sld>
 </file>
 
-<file path=ppt/slides/slide27.xml><?xml version="1.0" encoding="utf-8"?>
+<file path=ppt/slides/slide29.xml><?xml version="1.0" encoding="utf-8"?>
 <p:sld xmlns:a="http://schemas.openxmlformats.org/drawingml/2006/main" xmlns:r="http://schemas.openxmlformats.org/officeDocument/2006/relationships" xmlns:p="http://schemas.openxmlformats.org/presentationml/2006/main">
   <p:cSld>
     <p:spTree>
@@ -9128,7 +9923,7 @@
           <a:p>
             <a:fld id="{5016889B-300C-442C-8A3E-4573D875919B}" type="slidenum">
               <a:rPr kumimoji="1" lang="ja-JP" altLang="en-US" smtClean="0"/>
-              <a:t>27</a:t>
+              <a:t>29</a:t>
             </a:fld>
             <a:endParaRPr kumimoji="1" lang="ja-JP" altLang="en-US"/>
           </a:p>
@@ -9218,14 +10013,26 @@
               <a:buAutoNum type="arabicPeriod"/>
             </a:pPr>
             <a:r>
-              <a:rPr kumimoji="1" lang="en-US" altLang="ja-JP" dirty="0"/>
+              <a:rPr kumimoji="1" lang="en-US" altLang="ja-JP" dirty="0">
+                <a:solidFill>
+                  <a:srgbClr val="C00000"/>
+                </a:solidFill>
+              </a:rPr>
               <a:t>PC</a:t>
             </a:r>
             <a:r>
-              <a:rPr kumimoji="1" lang="ja-JP" altLang="en-US" dirty="0"/>
+              <a:rPr kumimoji="1" lang="ja-JP" altLang="en-US" dirty="0">
+                <a:solidFill>
+                  <a:srgbClr val="C00000"/>
+                </a:solidFill>
+              </a:rPr>
               <a:t>環境</a:t>
             </a:r>
-            <a:endParaRPr kumimoji="1" lang="en-US" altLang="ja-JP" dirty="0"/>
+            <a:endParaRPr kumimoji="1" lang="en-US" altLang="ja-JP" dirty="0">
+              <a:solidFill>
+                <a:srgbClr val="C00000"/>
+              </a:solidFill>
+            </a:endParaRPr>
           </a:p>
           <a:p>
             <a:pPr marL="457200" indent="-457200">
@@ -9298,7 +10105,7 @@
     </p:spTree>
     <p:extLst>
       <p:ext uri="{BB962C8B-B14F-4D97-AF65-F5344CB8AC3E}">
-        <p14:creationId xmlns:p14="http://schemas.microsoft.com/office/powerpoint/2010/main" val="2380061762"/>
+        <p14:creationId xmlns:p14="http://schemas.microsoft.com/office/powerpoint/2010/main" val="1919683496"/>
       </p:ext>
     </p:extLst>
   </p:cSld>
@@ -9389,6 +10196,10 @@
           <a:p>
             <a:pPr lvl="1"/>
             <a:r>
+              <a:rPr lang="ja-JP" altLang="en-US" sz="2400" dirty="0"/>
+              <a:t> </a:t>
+            </a:r>
+            <a:r>
               <a:rPr lang="en-US" altLang="ja-JP" sz="2400" dirty="0"/>
               <a:t>OS		 : windows11</a:t>
             </a:r>
@@ -9396,6 +10207,10 @@
           <a:p>
             <a:pPr lvl="1"/>
             <a:r>
+              <a:rPr lang="ja-JP" altLang="en-US" sz="2400" dirty="0"/>
+              <a:t> </a:t>
+            </a:r>
+            <a:r>
               <a:rPr lang="en-US" altLang="ja-JP" sz="2400" dirty="0"/>
               <a:t>name 	: 2019sis03</a:t>
             </a:r>
@@ -9419,18 +10234,17 @@
           <a:p>
             <a:pPr lvl="1"/>
             <a:r>
+              <a:rPr lang="ja-JP" altLang="en-US" sz="2400" dirty="0"/>
+              <a:t> </a:t>
+            </a:r>
+            <a:r>
               <a:rPr lang="en-US" altLang="ja-JP" sz="2400" dirty="0" err="1"/>
               <a:t>PassWord</a:t>
             </a:r>
             <a:r>
               <a:rPr lang="en-US" altLang="ja-JP" sz="2400" dirty="0"/>
-              <a:t> 	: </a:t>
-            </a:r>
-            <a:r>
-              <a:rPr lang="en-US" altLang="ja-JP" sz="2400" dirty="0" err="1"/>
-              <a:t>kobeshouka</a:t>
-            </a:r>
-            <a:endParaRPr lang="en-US" altLang="ja-JP" sz="2400" dirty="0"/>
+              <a:t> 	:</a:t>
+            </a:r>
           </a:p>
           <a:p>
             <a:pPr lvl="1"/>
@@ -9550,6 +10364,10 @@
           <a:p>
             <a:pPr lvl="1"/>
             <a:r>
+              <a:rPr kumimoji="1" lang="ja-JP" altLang="en-US" sz="2800" dirty="0"/>
+              <a:t> </a:t>
+            </a:r>
+            <a:r>
               <a:rPr kumimoji="1" lang="en-US" altLang="ja-JP" sz="2800" dirty="0"/>
               <a:t>Google Chrome</a:t>
             </a:r>
@@ -9557,6 +10375,10 @@
           <a:p>
             <a:pPr lvl="1"/>
             <a:r>
+              <a:rPr kumimoji="1" lang="ja-JP" altLang="en-US" sz="2800" dirty="0"/>
+              <a:t> </a:t>
+            </a:r>
+            <a:r>
               <a:rPr kumimoji="1" lang="en-US" altLang="ja-JP" sz="2800" dirty="0"/>
               <a:t>Anaconda</a:t>
             </a:r>
@@ -9564,6 +10386,10 @@
           <a:p>
             <a:pPr lvl="1"/>
             <a:r>
+              <a:rPr kumimoji="1" lang="ja-JP" altLang="en-US" sz="2800" dirty="0"/>
+              <a:t> </a:t>
+            </a:r>
+            <a:r>
               <a:rPr kumimoji="1" lang="en-US" altLang="ja-JP" sz="2800" dirty="0"/>
               <a:t>VS Code (</a:t>
             </a:r>
@@ -9578,6 +10404,10 @@
           </a:p>
           <a:p>
             <a:pPr lvl="1"/>
+            <a:r>
+              <a:rPr lang="ja-JP" altLang="en-US" sz="2800" dirty="0"/>
+              <a:t> </a:t>
+            </a:r>
             <a:r>
               <a:rPr lang="en-US" altLang="ja-JP" sz="2800" dirty="0"/>
               <a:t>Command Prompt (</a:t>
@@ -9704,16 +10534,16 @@
           <a:lstStyle/>
           <a:p>
             <a:r>
-              <a:rPr lang="ja-JP" altLang="en-US" b="0" i="0" dirty="0">
+              <a:rPr lang="ja-JP" altLang="en-US" i="0" dirty="0">
                 <a:solidFill>
                   <a:srgbClr val="303030"/>
                 </a:solidFill>
                 <a:effectLst/>
                 <a:latin typeface="Helvetica Neue"/>
               </a:rPr>
-              <a:t>データサイエンス向けの環境を提供するプラットフォーム</a:t>
-            </a:r>
-            <a:endParaRPr lang="en-US" altLang="ja-JP" b="0" i="0" dirty="0">
+              <a:t>データサイエンス向けの環境を提供する無料のプラットフォーム</a:t>
+            </a:r>
+            <a:endParaRPr lang="en-US" altLang="ja-JP" i="0" dirty="0">
               <a:solidFill>
                 <a:srgbClr val="303030"/>
               </a:solidFill>
@@ -9722,7 +10552,74 @@
             </a:endParaRPr>
           </a:p>
           <a:p>
-            <a:endParaRPr lang="en-US" altLang="ja-JP" b="0" i="0" dirty="0">
+            <a:pPr algn="l"/>
+            <a:r>
+              <a:rPr lang="ja-JP" altLang="en-US" i="0" dirty="0">
+                <a:solidFill>
+                  <a:srgbClr val="202022"/>
+                </a:solidFill>
+                <a:effectLst/>
+                <a:latin typeface="Haru TP B"/>
+              </a:rPr>
+              <a:t>関連ツールをまとめてインストールできる</a:t>
+            </a:r>
+          </a:p>
+          <a:p>
+            <a:r>
+              <a:rPr lang="en-US" altLang="ja-JP" dirty="0" err="1">
+                <a:solidFill>
+                  <a:srgbClr val="303030"/>
+                </a:solidFill>
+                <a:latin typeface="Helvetica Neue"/>
+              </a:rPr>
+              <a:t>Jupyter</a:t>
+            </a:r>
+            <a:r>
+              <a:rPr lang="en-US" altLang="ja-JP" dirty="0">
+                <a:solidFill>
+                  <a:srgbClr val="303030"/>
+                </a:solidFill>
+                <a:latin typeface="Helvetica Neue"/>
+              </a:rPr>
+              <a:t> Notebook (</a:t>
+            </a:r>
+            <a:r>
+              <a:rPr lang="ja-JP" altLang="en-US" dirty="0">
+                <a:solidFill>
+                  <a:srgbClr val="303030"/>
+                </a:solidFill>
+                <a:latin typeface="Helvetica Neue"/>
+              </a:rPr>
+              <a:t>後述</a:t>
+            </a:r>
+            <a:r>
+              <a:rPr lang="en-US" altLang="ja-JP" dirty="0">
+                <a:solidFill>
+                  <a:srgbClr val="303030"/>
+                </a:solidFill>
+                <a:latin typeface="Helvetica Neue"/>
+              </a:rPr>
+              <a:t>)</a:t>
+            </a:r>
+            <a:r>
+              <a:rPr lang="ja-JP" altLang="en-US" dirty="0">
+                <a:solidFill>
+                  <a:srgbClr val="303030"/>
+                </a:solidFill>
+                <a:latin typeface="Helvetica Neue"/>
+              </a:rPr>
+              <a:t> を簡単に扱うことができる</a:t>
+            </a:r>
+            <a:endParaRPr lang="en-US" altLang="ja-JP" i="0" dirty="0">
+              <a:solidFill>
+                <a:srgbClr val="303030"/>
+              </a:solidFill>
+              <a:effectLst/>
+              <a:latin typeface="Helvetica Neue"/>
+            </a:endParaRPr>
+          </a:p>
+          <a:p>
+            <a:endParaRPr lang="en-US" altLang="ja-JP" i="0" dirty="0">
               <a:solidFill>
                 <a:srgbClr val="303030"/>
               </a:solidFill>
@@ -10095,7 +10992,7 @@
           <p:cNvPr id="2" name="タイトル 1">
             <a:extLst>
               <a:ext uri="{FF2B5EF4-FFF2-40B4-BE49-F238E27FC236}">
-                <a16:creationId xmlns:a16="http://schemas.microsoft.com/office/drawing/2014/main" id="{4CB77C74-64EC-1982-5AF8-FEFC7949EF26}"/>
+                <a16:creationId xmlns:a16="http://schemas.microsoft.com/office/drawing/2014/main" id="{E6476380-FB26-D546-3DB1-874362244DE2}"/>
               </a:ext>
             </a:extLst>
           </p:cNvPr>
@@ -10106,78 +11003,57 @@
             <p:ph type="title"/>
           </p:nvPr>
         </p:nvSpPr>
-        <p:spPr/>
+        <p:spPr>
+          <a:xfrm>
+            <a:off x="1097280" y="484124"/>
+            <a:ext cx="10058400" cy="949960"/>
+          </a:xfrm>
+        </p:spPr>
         <p:txBody>
           <a:bodyPr/>
           <a:lstStyle/>
           <a:p>
             <a:r>
-              <a:rPr lang="en-US" altLang="ja-JP" dirty="0" err="1"/>
-              <a:t>Jupyter</a:t>
-            </a:r>
-            <a:r>
-              <a:rPr lang="en-US" altLang="ja-JP" dirty="0"/>
-              <a:t> Notebook</a:t>
-            </a:r>
-            <a:endParaRPr kumimoji="1" lang="ja-JP" altLang="en-US" dirty="0"/>
-          </a:p>
-        </p:txBody>
-      </p:sp>
-      <p:sp>
-        <p:nvSpPr>
-          <p:cNvPr id="3" name="コンテンツ プレースホルダー 2">
-            <a:extLst>
-              <a:ext uri="{FF2B5EF4-FFF2-40B4-BE49-F238E27FC236}">
-                <a16:creationId xmlns:a16="http://schemas.microsoft.com/office/drawing/2014/main" id="{6069CC84-64F7-67D0-4689-7F6330270932}"/>
-              </a:ext>
-            </a:extLst>
-          </p:cNvPr>
-          <p:cNvSpPr>
-            <a:spLocks noGrp="1"/>
-          </p:cNvSpPr>
+              <a:rPr kumimoji="1" lang="ja-JP" altLang="en-US" dirty="0"/>
+              <a:t>操作方法</a:t>
+            </a:r>
+          </a:p>
+        </p:txBody>
+      </p:sp>
+      <p:pic>
+        <p:nvPicPr>
+          <p:cNvPr id="6" name="コンテンツ プレースホルダー 5">
+            <a:extLst>
+              <a:ext uri="{FF2B5EF4-FFF2-40B4-BE49-F238E27FC236}">
+                <a16:creationId xmlns:a16="http://schemas.microsoft.com/office/drawing/2014/main" id="{F12B3D17-8AB2-E12D-0040-43EF4EBED754}"/>
+              </a:ext>
+            </a:extLst>
+          </p:cNvPr>
+          <p:cNvPicPr>
+            <a:picLocks noGrp="1" noChangeAspect="1"/>
+          </p:cNvPicPr>
           <p:nvPr>
             <p:ph idx="1"/>
           </p:nvPr>
-        </p:nvSpPr>
-        <p:spPr/>
-        <p:txBody>
-          <a:bodyPr/>
-          <a:lstStyle/>
-          <a:p>
-            <a:r>
-              <a:rPr lang="ja-JP" altLang="en-US" dirty="0"/>
-              <a:t>注意点</a:t>
-            </a:r>
-            <a:endParaRPr lang="en-US" altLang="ja-JP" dirty="0"/>
-          </a:p>
-          <a:p>
-            <a:pPr lvl="1"/>
-            <a:r>
-              <a:rPr kumimoji="1" lang="ja-JP" altLang="en-US" dirty="0"/>
-              <a:t>タブを削除しただけでは止まっていない</a:t>
-            </a:r>
-            <a:endParaRPr kumimoji="1" lang="en-US" altLang="ja-JP" dirty="0"/>
-          </a:p>
-          <a:p>
-            <a:pPr lvl="2"/>
-            <a:r>
-              <a:rPr lang="en-US" altLang="ja-JP" dirty="0"/>
-              <a:t>File -&gt; Close and </a:t>
-            </a:r>
-            <a:r>
-              <a:rPr lang="en-US" altLang="ja-JP" dirty="0" err="1"/>
-              <a:t>Hault</a:t>
-            </a:r>
-            <a:endParaRPr kumimoji="1" lang="ja-JP" altLang="en-US" dirty="0"/>
-          </a:p>
-        </p:txBody>
-      </p:sp>
+        </p:nvPicPr>
+        <p:blipFill rotWithShape="1">
+          <a:blip r:embed="rId2"/>
+          <a:srcRect l="9091" r="7539" b="8248"/>
+          <a:stretch/>
+        </p:blipFill>
+        <p:spPr>
+          <a:xfrm>
+            <a:off x="1097280" y="1496060"/>
+            <a:ext cx="10058400" cy="4839771"/>
+          </a:xfrm>
+        </p:spPr>
+      </p:pic>
       <p:sp>
         <p:nvSpPr>
           <p:cNvPr id="4" name="スライド番号プレースホルダー 3">
             <a:extLst>
               <a:ext uri="{FF2B5EF4-FFF2-40B4-BE49-F238E27FC236}">
-                <a16:creationId xmlns:a16="http://schemas.microsoft.com/office/drawing/2014/main" id="{EA8EACAB-1DE2-F8C5-68B3-5A88C22A0A3D}"/>
+                <a16:creationId xmlns:a16="http://schemas.microsoft.com/office/drawing/2014/main" id="{0D078BDE-3820-D944-3890-DD7D7FC349A5}"/>
               </a:ext>
             </a:extLst>
           </p:cNvPr>
@@ -10204,7 +11080,7 @@
     </p:spTree>
     <p:extLst>
       <p:ext uri="{BB962C8B-B14F-4D97-AF65-F5344CB8AC3E}">
-        <p14:creationId xmlns:p14="http://schemas.microsoft.com/office/powerpoint/2010/main" val="2533705978"/>
+        <p14:creationId xmlns:p14="http://schemas.microsoft.com/office/powerpoint/2010/main" val="987784722"/>
       </p:ext>
     </p:extLst>
   </p:cSld>
@@ -10259,31 +11135,35 @@
           </a:p>
         </p:txBody>
       </p:sp>
-      <p:sp>
-        <p:nvSpPr>
-          <p:cNvPr id="3" name="コンテンツ プレースホルダー 2">
-            <a:extLst>
-              <a:ext uri="{FF2B5EF4-FFF2-40B4-BE49-F238E27FC236}">
-                <a16:creationId xmlns:a16="http://schemas.microsoft.com/office/drawing/2014/main" id="{A3B9D0A0-1891-9BEA-E892-867F05EA33EB}"/>
-              </a:ext>
-            </a:extLst>
-          </p:cNvPr>
-          <p:cNvSpPr>
-            <a:spLocks noGrp="1"/>
-          </p:cNvSpPr>
+      <p:pic>
+        <p:nvPicPr>
+          <p:cNvPr id="6" name="コンテンツ プレースホルダー 5">
+            <a:extLst>
+              <a:ext uri="{FF2B5EF4-FFF2-40B4-BE49-F238E27FC236}">
+                <a16:creationId xmlns:a16="http://schemas.microsoft.com/office/drawing/2014/main" id="{F0DDA422-F3BB-6931-6905-3C95F67380E9}"/>
+              </a:ext>
+            </a:extLst>
+          </p:cNvPr>
+          <p:cNvPicPr>
+            <a:picLocks noGrp="1" noChangeAspect="1"/>
+          </p:cNvPicPr>
           <p:nvPr>
             <p:ph idx="1"/>
           </p:nvPr>
-        </p:nvSpPr>
-        <p:spPr/>
-        <p:txBody>
-          <a:bodyPr/>
-          <a:lstStyle/>
-          <a:p>
-            <a:endParaRPr kumimoji="1" lang="ja-JP" altLang="en-US" dirty="0"/>
-          </a:p>
-        </p:txBody>
-      </p:sp>
+        </p:nvPicPr>
+        <p:blipFill>
+          <a:blip r:embed="rId2"/>
+          <a:stretch>
+            <a:fillRect/>
+          </a:stretch>
+        </p:blipFill>
+        <p:spPr>
+          <a:xfrm>
+            <a:off x="438308" y="2146822"/>
+            <a:ext cx="11315383" cy="3720577"/>
+          </a:xfrm>
+        </p:spPr>
+      </p:pic>
       <p:sp>
         <p:nvSpPr>
           <p:cNvPr id="4" name="スライド番号プレースホルダー 3">
@@ -10316,7 +11196,7 @@
     </p:spTree>
     <p:extLst>
       <p:ext uri="{BB962C8B-B14F-4D97-AF65-F5344CB8AC3E}">
-        <p14:creationId xmlns:p14="http://schemas.microsoft.com/office/powerpoint/2010/main" val="3151125540"/>
+        <p14:creationId xmlns:p14="http://schemas.microsoft.com/office/powerpoint/2010/main" val="2881407335"/>
       </p:ext>
     </p:extLst>
   </p:cSld>
